--- a/OOP/pres.pptx
+++ b/OOP/pres.pptx
@@ -9,16 +9,13 @@
     <p:sldId id="258" r:id="rId3"/>
     <p:sldId id="267" r:id="rId4"/>
     <p:sldId id="259" r:id="rId5"/>
-    <p:sldId id="260" r:id="rId6"/>
-    <p:sldId id="262" r:id="rId7"/>
-    <p:sldId id="264" r:id="rId8"/>
-    <p:sldId id="265" r:id="rId9"/>
-    <p:sldId id="266" r:id="rId10"/>
-    <p:sldId id="268" r:id="rId11"/>
-    <p:sldId id="269" r:id="rId12"/>
-    <p:sldId id="270" r:id="rId13"/>
-    <p:sldId id="271" r:id="rId14"/>
-    <p:sldId id="272" r:id="rId15"/>
+    <p:sldId id="264" r:id="rId6"/>
+    <p:sldId id="265" r:id="rId7"/>
+    <p:sldId id="268" r:id="rId8"/>
+    <p:sldId id="269" r:id="rId9"/>
+    <p:sldId id="270" r:id="rId10"/>
+    <p:sldId id="271" r:id="rId11"/>
+    <p:sldId id="272" r:id="rId12"/>
   </p:sldIdLst>
   <p:sldSz cx="12192000" cy="6858000"/>
   <p:notesSz cx="6858000" cy="9144000"/>
@@ -308,7 +305,7 @@
           </a:lstStyle>
           <a:p>
             <a:r>
-              <a:rPr lang="ru-RU" smtClean="0"/>
+              <a:rPr lang="ru-RU"/>
               <a:t>Образец заголовка</a:t>
             </a:r>
             <a:endParaRPr lang="en-US" dirty="0"/>
@@ -427,7 +424,7 @@
           </a:lstStyle>
           <a:p>
             <a:r>
-              <a:rPr lang="ru-RU" smtClean="0"/>
+              <a:rPr lang="ru-RU"/>
               <a:t>Образец подзаголовка</a:t>
             </a:r>
             <a:endParaRPr lang="en-US" dirty="0"/>
@@ -456,7 +453,7 @@
           <a:p>
             <a:fld id="{E7AFCDD6-15AB-4B23-8847-30A0F1C957B1}" type="datetimeFigureOut">
               <a:rPr lang="ru-RU" smtClean="0"/>
-              <a:t>30.11.2018</a:t>
+              <a:t>01.12.2018</a:t>
             </a:fld>
             <a:endParaRPr lang="ru-RU"/>
           </a:p>
@@ -601,7 +598,7 @@
           </a:lstStyle>
           <a:p>
             <a:r>
-              <a:rPr lang="ru-RU" smtClean="0"/>
+              <a:rPr lang="ru-RU"/>
               <a:t>Образец заголовка</a:t>
             </a:r>
             <a:endParaRPr lang="en-US" dirty="0"/>
@@ -689,7 +686,7 @@
           </a:lstStyle>
           <a:p>
             <a:r>
-              <a:rPr lang="ru-RU" smtClean="0"/>
+              <a:rPr lang="ru-RU"/>
               <a:t>Вставка рисунка</a:t>
             </a:r>
             <a:endParaRPr lang="en-US" dirty="0"/>
@@ -757,7 +754,7 @@
           <a:p>
             <a:pPr lvl="0"/>
             <a:r>
-              <a:rPr lang="ru-RU" smtClean="0"/>
+              <a:rPr lang="ru-RU"/>
               <a:t>Образец текста</a:t>
             </a:r>
           </a:p>
@@ -780,7 +777,7 @@
           <a:p>
             <a:fld id="{E7AFCDD6-15AB-4B23-8847-30A0F1C957B1}" type="datetimeFigureOut">
               <a:rPr lang="ru-RU" smtClean="0"/>
-              <a:t>30.11.2018</a:t>
+              <a:t>01.12.2018</a:t>
             </a:fld>
             <a:endParaRPr lang="ru-RU"/>
           </a:p>
@@ -885,7 +882,7 @@
           </a:lstStyle>
           <a:p>
             <a:r>
-              <a:rPr lang="ru-RU" smtClean="0"/>
+              <a:rPr lang="ru-RU"/>
               <a:t>Образец заголовка</a:t>
             </a:r>
             <a:endParaRPr lang="en-US" dirty="0"/>
@@ -1005,7 +1002,7 @@
           <a:p>
             <a:pPr lvl="0"/>
             <a:r>
-              <a:rPr lang="ru-RU" smtClean="0"/>
+              <a:rPr lang="ru-RU"/>
               <a:t>Образец текста</a:t>
             </a:r>
           </a:p>
@@ -1028,7 +1025,7 @@
           <a:p>
             <a:fld id="{E7AFCDD6-15AB-4B23-8847-30A0F1C957B1}" type="datetimeFigureOut">
               <a:rPr lang="ru-RU" smtClean="0"/>
-              <a:t>30.11.2018</a:t>
+              <a:t>01.12.2018</a:t>
             </a:fld>
             <a:endParaRPr lang="ru-RU"/>
           </a:p>
@@ -1168,7 +1165,7 @@
           </a:lstStyle>
           <a:p>
             <a:r>
-              <a:rPr lang="ru-RU" smtClean="0"/>
+              <a:rPr lang="ru-RU"/>
               <a:t>Образец заголовка</a:t>
             </a:r>
             <a:endParaRPr lang="en-US" dirty="0"/>
@@ -1225,7 +1222,7 @@
           <a:p>
             <a:pPr lvl="0"/>
             <a:r>
-              <a:rPr lang="ru-RU" smtClean="0"/>
+              <a:rPr lang="ru-RU"/>
               <a:t>Образец текста</a:t>
             </a:r>
           </a:p>
@@ -1344,7 +1341,7 @@
           <a:p>
             <a:pPr lvl="0"/>
             <a:r>
-              <a:rPr lang="ru-RU" smtClean="0"/>
+              <a:rPr lang="ru-RU"/>
               <a:t>Образец текста</a:t>
             </a:r>
           </a:p>
@@ -1367,7 +1364,7 @@
           <a:p>
             <a:fld id="{E7AFCDD6-15AB-4B23-8847-30A0F1C957B1}" type="datetimeFigureOut">
               <a:rPr lang="ru-RU" smtClean="0"/>
-              <a:t>30.11.2018</a:t>
+              <a:t>01.12.2018</a:t>
             </a:fld>
             <a:endParaRPr lang="ru-RU"/>
           </a:p>
@@ -1571,7 +1568,7 @@
           </a:lstStyle>
           <a:p>
             <a:r>
-              <a:rPr lang="ru-RU" smtClean="0"/>
+              <a:rPr lang="ru-RU"/>
               <a:t>Образец заголовка</a:t>
             </a:r>
             <a:endParaRPr lang="en-US" dirty="0"/>
@@ -1691,7 +1688,7 @@
           <a:p>
             <a:pPr lvl="0"/>
             <a:r>
-              <a:rPr lang="ru-RU" smtClean="0"/>
+              <a:rPr lang="ru-RU"/>
               <a:t>Образец текста</a:t>
             </a:r>
           </a:p>
@@ -1714,7 +1711,7 @@
           <a:p>
             <a:fld id="{E7AFCDD6-15AB-4B23-8847-30A0F1C957B1}" type="datetimeFigureOut">
               <a:rPr lang="ru-RU" smtClean="0"/>
-              <a:t>30.11.2018</a:t>
+              <a:t>01.12.2018</a:t>
             </a:fld>
             <a:endParaRPr lang="ru-RU"/>
           </a:p>
@@ -1823,7 +1820,7 @@
           </a:lstStyle>
           <a:p>
             <a:r>
-              <a:rPr lang="ru-RU" smtClean="0"/>
+              <a:rPr lang="ru-RU"/>
               <a:t>Образец заголовка</a:t>
             </a:r>
             <a:endParaRPr lang="en-US" dirty="0"/>
@@ -1946,7 +1943,7 @@
           <a:p>
             <a:pPr lvl="0"/>
             <a:r>
-              <a:rPr lang="ru-RU" smtClean="0"/>
+              <a:rPr lang="ru-RU"/>
               <a:t>Образец текста</a:t>
             </a:r>
           </a:p>
@@ -2065,7 +2062,7 @@
           <a:p>
             <a:pPr lvl="0"/>
             <a:r>
-              <a:rPr lang="ru-RU" smtClean="0"/>
+              <a:rPr lang="ru-RU"/>
               <a:t>Образец текста</a:t>
             </a:r>
           </a:p>
@@ -2088,7 +2085,7 @@
           <a:p>
             <a:fld id="{E7AFCDD6-15AB-4B23-8847-30A0F1C957B1}" type="datetimeFigureOut">
               <a:rPr lang="ru-RU" smtClean="0"/>
-              <a:t>30.11.2018</a:t>
+              <a:t>01.12.2018</a:t>
             </a:fld>
             <a:endParaRPr lang="ru-RU"/>
           </a:p>
@@ -2293,7 +2290,7 @@
           <a:p>
             <a:pPr marL="0" lvl="0"/>
             <a:r>
-              <a:rPr lang="ru-RU" smtClean="0"/>
+              <a:rPr lang="ru-RU"/>
               <a:t>Образец заголовка</a:t>
             </a:r>
             <a:endParaRPr lang="en-US" dirty="0"/>
@@ -2416,7 +2413,7 @@
           <a:p>
             <a:pPr lvl="0"/>
             <a:r>
-              <a:rPr lang="ru-RU" smtClean="0"/>
+              <a:rPr lang="ru-RU"/>
               <a:t>Образец текста</a:t>
             </a:r>
           </a:p>
@@ -2535,7 +2532,7 @@
           <a:p>
             <a:pPr lvl="0"/>
             <a:r>
-              <a:rPr lang="ru-RU" smtClean="0"/>
+              <a:rPr lang="ru-RU"/>
               <a:t>Образец текста</a:t>
             </a:r>
           </a:p>
@@ -2558,7 +2555,7 @@
           <a:p>
             <a:fld id="{E7AFCDD6-15AB-4B23-8847-30A0F1C957B1}" type="datetimeFigureOut">
               <a:rPr lang="ru-RU" smtClean="0"/>
-              <a:t>30.11.2018</a:t>
+              <a:t>01.12.2018</a:t>
             </a:fld>
             <a:endParaRPr lang="ru-RU"/>
           </a:p>
@@ -2687,7 +2684,7 @@
           </a:lstStyle>
           <a:p>
             <a:r>
-              <a:rPr lang="ru-RU" smtClean="0"/>
+              <a:rPr lang="ru-RU"/>
               <a:t>Образец заголовка</a:t>
             </a:r>
             <a:endParaRPr lang="en-US" dirty="0"/>
@@ -2711,35 +2708,35 @@
           <a:p>
             <a:pPr lvl="0"/>
             <a:r>
-              <a:rPr lang="ru-RU" smtClean="0"/>
+              <a:rPr lang="ru-RU"/>
               <a:t>Образец текста</a:t>
             </a:r>
           </a:p>
           <a:p>
             <a:pPr lvl="1"/>
             <a:r>
-              <a:rPr lang="ru-RU" smtClean="0"/>
+              <a:rPr lang="ru-RU"/>
               <a:t>Второй уровень</a:t>
             </a:r>
           </a:p>
           <a:p>
             <a:pPr lvl="2"/>
             <a:r>
-              <a:rPr lang="ru-RU" smtClean="0"/>
+              <a:rPr lang="ru-RU"/>
               <a:t>Третий уровень</a:t>
             </a:r>
           </a:p>
           <a:p>
             <a:pPr lvl="3"/>
             <a:r>
-              <a:rPr lang="ru-RU" smtClean="0"/>
+              <a:rPr lang="ru-RU"/>
               <a:t>Четвертый уровень</a:t>
             </a:r>
           </a:p>
           <a:p>
             <a:pPr lvl="4"/>
             <a:r>
-              <a:rPr lang="ru-RU" smtClean="0"/>
+              <a:rPr lang="ru-RU"/>
               <a:t>Пятый уровень</a:t>
             </a:r>
             <a:endParaRPr lang="en-US" dirty="0"/>
@@ -2763,7 +2760,7 @@
           <a:p>
             <a:fld id="{E7AFCDD6-15AB-4B23-8847-30A0F1C957B1}" type="datetimeFigureOut">
               <a:rPr lang="ru-RU" smtClean="0"/>
-              <a:t>30.11.2018</a:t>
+              <a:t>01.12.2018</a:t>
             </a:fld>
             <a:endParaRPr lang="ru-RU"/>
           </a:p>
@@ -2893,7 +2890,7 @@
           <a:lstStyle/>
           <a:p>
             <a:r>
-              <a:rPr lang="ru-RU" smtClean="0"/>
+              <a:rPr lang="ru-RU"/>
               <a:t>Образец заголовка</a:t>
             </a:r>
             <a:endParaRPr lang="en-US" dirty="0"/>
@@ -2922,35 +2919,35 @@
           <a:p>
             <a:pPr lvl="0"/>
             <a:r>
-              <a:rPr lang="ru-RU" smtClean="0"/>
+              <a:rPr lang="ru-RU"/>
               <a:t>Образец текста</a:t>
             </a:r>
           </a:p>
           <a:p>
             <a:pPr lvl="1"/>
             <a:r>
-              <a:rPr lang="ru-RU" smtClean="0"/>
+              <a:rPr lang="ru-RU"/>
               <a:t>Второй уровень</a:t>
             </a:r>
           </a:p>
           <a:p>
             <a:pPr lvl="2"/>
             <a:r>
-              <a:rPr lang="ru-RU" smtClean="0"/>
+              <a:rPr lang="ru-RU"/>
               <a:t>Третий уровень</a:t>
             </a:r>
           </a:p>
           <a:p>
             <a:pPr lvl="3"/>
             <a:r>
-              <a:rPr lang="ru-RU" smtClean="0"/>
+              <a:rPr lang="ru-RU"/>
               <a:t>Четвертый уровень</a:t>
             </a:r>
           </a:p>
           <a:p>
             <a:pPr lvl="4"/>
             <a:r>
-              <a:rPr lang="ru-RU" smtClean="0"/>
+              <a:rPr lang="ru-RU"/>
               <a:t>Пятый уровень</a:t>
             </a:r>
             <a:endParaRPr lang="en-US" dirty="0"/>
@@ -2974,7 +2971,7 @@
           <a:p>
             <a:fld id="{E7AFCDD6-15AB-4B23-8847-30A0F1C957B1}" type="datetimeFigureOut">
               <a:rPr lang="ru-RU" smtClean="0"/>
-              <a:t>30.11.2018</a:t>
+              <a:t>01.12.2018</a:t>
             </a:fld>
             <a:endParaRPr lang="ru-RU"/>
           </a:p>
@@ -3130,7 +3127,7 @@
           <a:lstStyle/>
           <a:p>
             <a:r>
-              <a:rPr lang="ru-RU" smtClean="0"/>
+              <a:rPr lang="ru-RU"/>
               <a:t>Образец заголовка</a:t>
             </a:r>
             <a:endParaRPr lang="en-US" dirty="0"/>
@@ -3154,35 +3151,35 @@
           <a:p>
             <a:pPr lvl="0"/>
             <a:r>
-              <a:rPr lang="ru-RU" smtClean="0"/>
+              <a:rPr lang="ru-RU"/>
               <a:t>Образец текста</a:t>
             </a:r>
           </a:p>
           <a:p>
             <a:pPr lvl="1"/>
             <a:r>
-              <a:rPr lang="ru-RU" smtClean="0"/>
+              <a:rPr lang="ru-RU"/>
               <a:t>Второй уровень</a:t>
             </a:r>
           </a:p>
           <a:p>
             <a:pPr lvl="2"/>
             <a:r>
-              <a:rPr lang="ru-RU" smtClean="0"/>
+              <a:rPr lang="ru-RU"/>
               <a:t>Третий уровень</a:t>
             </a:r>
           </a:p>
           <a:p>
             <a:pPr lvl="3"/>
             <a:r>
-              <a:rPr lang="ru-RU" smtClean="0"/>
+              <a:rPr lang="ru-RU"/>
               <a:t>Четвертый уровень</a:t>
             </a:r>
           </a:p>
           <a:p>
             <a:pPr lvl="4"/>
             <a:r>
-              <a:rPr lang="ru-RU" smtClean="0"/>
+              <a:rPr lang="ru-RU"/>
               <a:t>Пятый уровень</a:t>
             </a:r>
             <a:endParaRPr lang="en-US" dirty="0"/>
@@ -3206,7 +3203,7 @@
           <a:p>
             <a:fld id="{E7AFCDD6-15AB-4B23-8847-30A0F1C957B1}" type="datetimeFigureOut">
               <a:rPr lang="ru-RU" smtClean="0"/>
-              <a:t>30.11.2018</a:t>
+              <a:t>01.12.2018</a:t>
             </a:fld>
             <a:endParaRPr lang="ru-RU"/>
           </a:p>
@@ -3311,7 +3308,7 @@
           </a:lstStyle>
           <a:p>
             <a:r>
-              <a:rPr lang="ru-RU" smtClean="0"/>
+              <a:rPr lang="ru-RU"/>
               <a:t>Образец заголовка</a:t>
             </a:r>
             <a:endParaRPr lang="en-US" dirty="0"/>
@@ -3431,7 +3428,7 @@
           <a:p>
             <a:pPr lvl="0"/>
             <a:r>
-              <a:rPr lang="ru-RU" smtClean="0"/>
+              <a:rPr lang="ru-RU"/>
               <a:t>Образец текста</a:t>
             </a:r>
           </a:p>
@@ -3454,7 +3451,7 @@
           <a:p>
             <a:fld id="{E7AFCDD6-15AB-4B23-8847-30A0F1C957B1}" type="datetimeFigureOut">
               <a:rPr lang="ru-RU" smtClean="0"/>
-              <a:t>30.11.2018</a:t>
+              <a:t>01.12.2018</a:t>
             </a:fld>
             <a:endParaRPr lang="ru-RU"/>
           </a:p>
@@ -3610,7 +3607,7 @@
           <a:lstStyle/>
           <a:p>
             <a:r>
-              <a:rPr lang="ru-RU" smtClean="0"/>
+              <a:rPr lang="ru-RU"/>
               <a:t>Образец заголовка</a:t>
             </a:r>
             <a:endParaRPr lang="en-US" dirty="0"/>
@@ -3641,35 +3638,35 @@
           <a:p>
             <a:pPr lvl="0"/>
             <a:r>
-              <a:rPr lang="ru-RU" smtClean="0"/>
+              <a:rPr lang="ru-RU"/>
               <a:t>Образец текста</a:t>
             </a:r>
           </a:p>
           <a:p>
             <a:pPr lvl="1"/>
             <a:r>
-              <a:rPr lang="ru-RU" smtClean="0"/>
+              <a:rPr lang="ru-RU"/>
               <a:t>Второй уровень</a:t>
             </a:r>
           </a:p>
           <a:p>
             <a:pPr lvl="2"/>
             <a:r>
-              <a:rPr lang="ru-RU" smtClean="0"/>
+              <a:rPr lang="ru-RU"/>
               <a:t>Третий уровень</a:t>
             </a:r>
           </a:p>
           <a:p>
             <a:pPr lvl="3"/>
             <a:r>
-              <a:rPr lang="ru-RU" smtClean="0"/>
+              <a:rPr lang="ru-RU"/>
               <a:t>Четвертый уровень</a:t>
             </a:r>
           </a:p>
           <a:p>
             <a:pPr lvl="4"/>
             <a:r>
-              <a:rPr lang="ru-RU" smtClean="0"/>
+              <a:rPr lang="ru-RU"/>
               <a:t>Пятый уровень</a:t>
             </a:r>
             <a:endParaRPr lang="en-US" dirty="0"/>
@@ -3700,35 +3697,35 @@
           <a:p>
             <a:pPr lvl="0"/>
             <a:r>
-              <a:rPr lang="ru-RU" smtClean="0"/>
+              <a:rPr lang="ru-RU"/>
               <a:t>Образец текста</a:t>
             </a:r>
           </a:p>
           <a:p>
             <a:pPr lvl="1"/>
             <a:r>
-              <a:rPr lang="ru-RU" smtClean="0"/>
+              <a:rPr lang="ru-RU"/>
               <a:t>Второй уровень</a:t>
             </a:r>
           </a:p>
           <a:p>
             <a:pPr lvl="2"/>
             <a:r>
-              <a:rPr lang="ru-RU" smtClean="0"/>
+              <a:rPr lang="ru-RU"/>
               <a:t>Третий уровень</a:t>
             </a:r>
           </a:p>
           <a:p>
             <a:pPr lvl="3"/>
             <a:r>
-              <a:rPr lang="ru-RU" smtClean="0"/>
+              <a:rPr lang="ru-RU"/>
               <a:t>Четвертый уровень</a:t>
             </a:r>
           </a:p>
           <a:p>
             <a:pPr lvl="4"/>
             <a:r>
-              <a:rPr lang="ru-RU" smtClean="0"/>
+              <a:rPr lang="ru-RU"/>
               <a:t>Пятый уровень</a:t>
             </a:r>
             <a:endParaRPr lang="en-US" dirty="0"/>
@@ -3752,7 +3749,7 @@
           <a:p>
             <a:fld id="{E7AFCDD6-15AB-4B23-8847-30A0F1C957B1}" type="datetimeFigureOut">
               <a:rPr lang="ru-RU" smtClean="0"/>
-              <a:t>30.11.2018</a:t>
+              <a:t>01.12.2018</a:t>
             </a:fld>
             <a:endParaRPr lang="ru-RU"/>
           </a:p>
@@ -3850,7 +3847,7 @@
           </a:lstStyle>
           <a:p>
             <a:r>
-              <a:rPr lang="ru-RU" smtClean="0"/>
+              <a:rPr lang="ru-RU"/>
               <a:t>Образец заголовка</a:t>
             </a:r>
             <a:endParaRPr lang="en-US" dirty="0"/>
@@ -3928,7 +3925,7 @@
           <a:p>
             <a:pPr lvl="0"/>
             <a:r>
-              <a:rPr lang="ru-RU" smtClean="0"/>
+              <a:rPr lang="ru-RU"/>
               <a:t>Образец текста</a:t>
             </a:r>
           </a:p>
@@ -3958,35 +3955,35 @@
           <a:p>
             <a:pPr lvl="0"/>
             <a:r>
-              <a:rPr lang="ru-RU" smtClean="0"/>
+              <a:rPr lang="ru-RU"/>
               <a:t>Образец текста</a:t>
             </a:r>
           </a:p>
           <a:p>
             <a:pPr lvl="1"/>
             <a:r>
-              <a:rPr lang="ru-RU" smtClean="0"/>
+              <a:rPr lang="ru-RU"/>
               <a:t>Второй уровень</a:t>
             </a:r>
           </a:p>
           <a:p>
             <a:pPr lvl="2"/>
             <a:r>
-              <a:rPr lang="ru-RU" smtClean="0"/>
+              <a:rPr lang="ru-RU"/>
               <a:t>Третий уровень</a:t>
             </a:r>
           </a:p>
           <a:p>
             <a:pPr lvl="3"/>
             <a:r>
-              <a:rPr lang="ru-RU" smtClean="0"/>
+              <a:rPr lang="ru-RU"/>
               <a:t>Четвертый уровень</a:t>
             </a:r>
           </a:p>
           <a:p>
             <a:pPr lvl="4"/>
             <a:r>
-              <a:rPr lang="ru-RU" smtClean="0"/>
+              <a:rPr lang="ru-RU"/>
               <a:t>Пятый уровень</a:t>
             </a:r>
             <a:endParaRPr lang="en-US" dirty="0"/>
@@ -4064,7 +4061,7 @@
           <a:p>
             <a:pPr lvl="0"/>
             <a:r>
-              <a:rPr lang="ru-RU" smtClean="0"/>
+              <a:rPr lang="ru-RU"/>
               <a:t>Образец текста</a:t>
             </a:r>
           </a:p>
@@ -4094,35 +4091,35 @@
           <a:p>
             <a:pPr lvl="0"/>
             <a:r>
-              <a:rPr lang="ru-RU" smtClean="0"/>
+              <a:rPr lang="ru-RU"/>
               <a:t>Образец текста</a:t>
             </a:r>
           </a:p>
           <a:p>
             <a:pPr lvl="1"/>
             <a:r>
-              <a:rPr lang="ru-RU" smtClean="0"/>
+              <a:rPr lang="ru-RU"/>
               <a:t>Второй уровень</a:t>
             </a:r>
           </a:p>
           <a:p>
             <a:pPr lvl="2"/>
             <a:r>
-              <a:rPr lang="ru-RU" smtClean="0"/>
+              <a:rPr lang="ru-RU"/>
               <a:t>Третий уровень</a:t>
             </a:r>
           </a:p>
           <a:p>
             <a:pPr lvl="3"/>
             <a:r>
-              <a:rPr lang="ru-RU" smtClean="0"/>
+              <a:rPr lang="ru-RU"/>
               <a:t>Четвертый уровень</a:t>
             </a:r>
           </a:p>
           <a:p>
             <a:pPr lvl="4"/>
             <a:r>
-              <a:rPr lang="ru-RU" smtClean="0"/>
+              <a:rPr lang="ru-RU"/>
               <a:t>Пятый уровень</a:t>
             </a:r>
             <a:endParaRPr lang="en-US" dirty="0"/>
@@ -4146,7 +4143,7 @@
           <a:p>
             <a:fld id="{E7AFCDD6-15AB-4B23-8847-30A0F1C957B1}" type="datetimeFigureOut">
               <a:rPr lang="ru-RU" smtClean="0"/>
-              <a:t>30.11.2018</a:t>
+              <a:t>01.12.2018</a:t>
             </a:fld>
             <a:endParaRPr lang="ru-RU"/>
           </a:p>
@@ -4271,7 +4268,7 @@
           <a:lstStyle/>
           <a:p>
             <a:r>
-              <a:rPr lang="ru-RU" smtClean="0"/>
+              <a:rPr lang="ru-RU"/>
               <a:t>Образец заголовка</a:t>
             </a:r>
             <a:endParaRPr lang="en-US" dirty="0"/>
@@ -4295,7 +4292,7 @@
           <a:p>
             <a:fld id="{E7AFCDD6-15AB-4B23-8847-30A0F1C957B1}" type="datetimeFigureOut">
               <a:rPr lang="ru-RU" smtClean="0"/>
-              <a:t>30.11.2018</a:t>
+              <a:t>01.12.2018</a:t>
             </a:fld>
             <a:endParaRPr lang="ru-RU"/>
           </a:p>
@@ -4421,7 +4418,7 @@
           <a:p>
             <a:fld id="{E7AFCDD6-15AB-4B23-8847-30A0F1C957B1}" type="datetimeFigureOut">
               <a:rPr lang="ru-RU" smtClean="0"/>
-              <a:t>30.11.2018</a:t>
+              <a:t>01.12.2018</a:t>
             </a:fld>
             <a:endParaRPr lang="ru-RU"/>
           </a:p>
@@ -4526,7 +4523,7 @@
           </a:lstStyle>
           <a:p>
             <a:r>
-              <a:rPr lang="ru-RU" smtClean="0"/>
+              <a:rPr lang="ru-RU"/>
               <a:t>Образец заголовка</a:t>
             </a:r>
             <a:endParaRPr lang="en-US" dirty="0"/>
@@ -4557,35 +4554,35 @@
           <a:p>
             <a:pPr lvl="0"/>
             <a:r>
-              <a:rPr lang="ru-RU" smtClean="0"/>
+              <a:rPr lang="ru-RU"/>
               <a:t>Образец текста</a:t>
             </a:r>
           </a:p>
           <a:p>
             <a:pPr lvl="1"/>
             <a:r>
-              <a:rPr lang="ru-RU" smtClean="0"/>
+              <a:rPr lang="ru-RU"/>
               <a:t>Второй уровень</a:t>
             </a:r>
           </a:p>
           <a:p>
             <a:pPr lvl="2"/>
             <a:r>
-              <a:rPr lang="ru-RU" smtClean="0"/>
+              <a:rPr lang="ru-RU"/>
               <a:t>Третий уровень</a:t>
             </a:r>
           </a:p>
           <a:p>
             <a:pPr lvl="3"/>
             <a:r>
-              <a:rPr lang="ru-RU" smtClean="0"/>
+              <a:rPr lang="ru-RU"/>
               <a:t>Четвертый уровень</a:t>
             </a:r>
           </a:p>
           <a:p>
             <a:pPr lvl="4"/>
             <a:r>
-              <a:rPr lang="ru-RU" smtClean="0"/>
+              <a:rPr lang="ru-RU"/>
               <a:t>Пятый уровень</a:t>
             </a:r>
             <a:endParaRPr lang="en-US" dirty="0"/>
@@ -4653,7 +4650,7 @@
           <a:p>
             <a:pPr lvl="0"/>
             <a:r>
-              <a:rPr lang="ru-RU" smtClean="0"/>
+              <a:rPr lang="ru-RU"/>
               <a:t>Образец текста</a:t>
             </a:r>
           </a:p>
@@ -4676,7 +4673,7 @@
           <a:p>
             <a:fld id="{E7AFCDD6-15AB-4B23-8847-30A0F1C957B1}" type="datetimeFigureOut">
               <a:rPr lang="ru-RU" smtClean="0"/>
-              <a:t>30.11.2018</a:t>
+              <a:t>01.12.2018</a:t>
             </a:fld>
             <a:endParaRPr lang="ru-RU"/>
           </a:p>
@@ -4812,7 +4809,7 @@
           </a:lstStyle>
           <a:p>
             <a:r>
-              <a:rPr lang="ru-RU" smtClean="0"/>
+              <a:rPr lang="ru-RU"/>
               <a:t>Образец заголовка</a:t>
             </a:r>
             <a:endParaRPr lang="en-US" dirty="0"/>
@@ -4900,7 +4897,7 @@
           </a:lstStyle>
           <a:p>
             <a:r>
-              <a:rPr lang="ru-RU" smtClean="0"/>
+              <a:rPr lang="ru-RU"/>
               <a:t>Вставка рисунка</a:t>
             </a:r>
             <a:endParaRPr lang="en-US" dirty="0"/>
@@ -4968,7 +4965,7 @@
           <a:p>
             <a:pPr lvl="0"/>
             <a:r>
-              <a:rPr lang="ru-RU" smtClean="0"/>
+              <a:rPr lang="ru-RU"/>
               <a:t>Образец текста</a:t>
             </a:r>
           </a:p>
@@ -4991,7 +4988,7 @@
           <a:p>
             <a:fld id="{E7AFCDD6-15AB-4B23-8847-30A0F1C957B1}" type="datetimeFigureOut">
               <a:rPr lang="ru-RU" smtClean="0"/>
-              <a:t>30.11.2018</a:t>
+              <a:t>01.12.2018</a:t>
             </a:fld>
             <a:endParaRPr lang="ru-RU"/>
           </a:p>
@@ -5238,7 +5235,7 @@
           <a:lstStyle/>
           <a:p>
             <a:r>
-              <a:rPr lang="ru-RU" smtClean="0"/>
+              <a:rPr lang="ru-RU"/>
               <a:t>Образец заголовка</a:t>
             </a:r>
             <a:endParaRPr lang="en-US" dirty="0"/>
@@ -5272,35 +5269,35 @@
           <a:p>
             <a:pPr lvl="0"/>
             <a:r>
-              <a:rPr lang="ru-RU" smtClean="0"/>
+              <a:rPr lang="ru-RU"/>
               <a:t>Образец текста</a:t>
             </a:r>
           </a:p>
           <a:p>
             <a:pPr lvl="1"/>
             <a:r>
-              <a:rPr lang="ru-RU" smtClean="0"/>
+              <a:rPr lang="ru-RU"/>
               <a:t>Второй уровень</a:t>
             </a:r>
           </a:p>
           <a:p>
             <a:pPr lvl="2"/>
             <a:r>
-              <a:rPr lang="ru-RU" smtClean="0"/>
+              <a:rPr lang="ru-RU"/>
               <a:t>Третий уровень</a:t>
             </a:r>
           </a:p>
           <a:p>
             <a:pPr lvl="3"/>
             <a:r>
-              <a:rPr lang="ru-RU" smtClean="0"/>
+              <a:rPr lang="ru-RU"/>
               <a:t>Четвертый уровень</a:t>
             </a:r>
           </a:p>
           <a:p>
             <a:pPr lvl="4"/>
             <a:r>
-              <a:rPr lang="ru-RU" smtClean="0"/>
+              <a:rPr lang="ru-RU"/>
               <a:t>Пятый уровень</a:t>
             </a:r>
             <a:endParaRPr lang="en-US" dirty="0"/>
@@ -5342,7 +5339,7 @@
           <a:p>
             <a:fld id="{E7AFCDD6-15AB-4B23-8847-30A0F1C957B1}" type="datetimeFigureOut">
               <a:rPr lang="ru-RU" smtClean="0"/>
-              <a:t>30.11.2018</a:t>
+              <a:t>01.12.2018</a:t>
             </a:fld>
             <a:endParaRPr lang="ru-RU"/>
           </a:p>
@@ -5901,14 +5898,9 @@
           <a:lstStyle/>
           <a:p>
             <a:r>
-              <a:rPr lang="ru-RU" sz="2800" dirty="0" smtClean="0"/>
-              <a:t>Разработка программного продукта </a:t>
-            </a:r>
-            <a:r>
-              <a:rPr lang="ru-RU" sz="2800" dirty="0" smtClean="0"/>
-              <a:t>«Водопроводчик»</a:t>
-            </a:r>
-            <a:endParaRPr lang="ru-RU" sz="2800" dirty="0"/>
+              <a:rPr lang="ru-RU" sz="2800" dirty="0"/>
+              <a:t>Разработка программного продукта «Водопроводчик»</a:t>
+            </a:r>
           </a:p>
         </p:txBody>
       </p:sp>
@@ -5929,24 +5921,15 @@
           <a:p>
             <a:r>
               <a:rPr lang="ru-RU" dirty="0"/>
-              <a:t>ОБЪЕКТНО-ОРИЕНТИРОВАННОЕ </a:t>
-            </a:r>
-            <a:r>
-              <a:rPr lang="ru-RU" dirty="0" smtClean="0"/>
-              <a:t>ПРОГРАММИРОВАНИЕ</a:t>
-            </a:r>
-            <a:endParaRPr lang="en-US" dirty="0" smtClean="0"/>
-          </a:p>
-          <a:p>
-            <a:r>
-              <a:rPr lang="ru-RU" dirty="0" smtClean="0"/>
-              <a:t>Гришин С.А. </a:t>
-            </a:r>
-            <a:r>
-              <a:rPr lang="ru-RU" dirty="0" smtClean="0"/>
-              <a:t>гр№4631</a:t>
-            </a:r>
-            <a:endParaRPr lang="ru-RU" dirty="0"/>
+              <a:t>ОБЪЕКТНО-ОРИЕНТИРОВАННОЕ ПРОГРАММИРОВАНИЕ</a:t>
+            </a:r>
+            <a:endParaRPr lang="en-US" dirty="0"/>
+          </a:p>
+          <a:p>
+            <a:r>
+              <a:rPr lang="ru-RU" dirty="0"/>
+              <a:t>Гришин С.А. гр№4631</a:t>
+            </a:r>
           </a:p>
         </p:txBody>
       </p:sp>
@@ -5960,13 +5943,6 @@
   <p:clrMapOvr>
     <a:masterClrMapping/>
   </p:clrMapOvr>
-  <p:timing>
-    <p:tnLst>
-      <p:par>
-        <p:cTn id="1" dur="indefinite" restart="never" nodeType="tmRoot"/>
-      </p:par>
-    </p:tnLst>
-  </p:timing>
 </p:sld>
 </file>
 
@@ -5997,73 +5973,95 @@
             <p:ph type="title"/>
           </p:nvPr>
         </p:nvSpPr>
-        <p:spPr/>
+        <p:spPr>
+          <a:xfrm>
+            <a:off x="981894" y="250612"/>
+            <a:ext cx="9601196" cy="1303867"/>
+          </a:xfrm>
+        </p:spPr>
+        <p:txBody>
+          <a:bodyPr>
+            <a:normAutofit/>
+          </a:bodyPr>
+          <a:lstStyle/>
+          <a:p>
+            <a:pPr lvl="0"/>
+            <a:r>
+              <a:rPr lang="ru-RU" dirty="0"/>
+              <a:t>Удачно построенный водопровод</a:t>
+            </a:r>
+            <a:endParaRPr lang="en-US" dirty="0"/>
+          </a:p>
+        </p:txBody>
+      </p:sp>
+      <p:sp>
+        <p:nvSpPr>
+          <p:cNvPr id="5" name="Content Placeholder 4">
+            <a:extLst>
+              <a:ext uri="{FF2B5EF4-FFF2-40B4-BE49-F238E27FC236}">
+                <a16:creationId xmlns:a16="http://schemas.microsoft.com/office/drawing/2014/main" id="{46597523-C933-40AF-9C16-008534D68E9D}"/>
+              </a:ext>
+            </a:extLst>
+          </p:cNvPr>
+          <p:cNvSpPr>
+            <a:spLocks noGrp="1"/>
+          </p:cNvSpPr>
+          <p:nvPr>
+            <p:ph idx="1"/>
+          </p:nvPr>
+        </p:nvSpPr>
+        <p:spPr>
+          <a:xfrm>
+            <a:off x="1098918" y="2556931"/>
+            <a:ext cx="10689491" cy="3695137"/>
+          </a:xfrm>
+        </p:spPr>
         <p:txBody>
           <a:bodyPr/>
           <a:lstStyle/>
           <a:p>
-            <a:r>
-              <a:rPr lang="ru-RU" dirty="0" smtClean="0"/>
-              <a:t>Стартовый экран</a:t>
-            </a:r>
-            <a:endParaRPr lang="ru-RU" dirty="0"/>
+            <a:endParaRPr lang="en-US"/>
           </a:p>
         </p:txBody>
       </p:sp>
       <p:pic>
         <p:nvPicPr>
-          <p:cNvPr id="4" name="Объект 3"/>
-          <p:cNvPicPr>
-            <a:picLocks noGrp="1"/>
-          </p:cNvPicPr>
-          <p:nvPr>
-            <p:ph idx="1"/>
-          </p:nvPr>
+          <p:cNvPr id="7" name="Picture 6">
+            <a:extLst>
+              <a:ext uri="{FF2B5EF4-FFF2-40B4-BE49-F238E27FC236}">
+                <a16:creationId xmlns:a16="http://schemas.microsoft.com/office/drawing/2014/main" id="{0E17C9D2-C749-46A6-82C1-EFB49C88A844}"/>
+              </a:ext>
+            </a:extLst>
+          </p:cNvPr>
+          <p:cNvPicPr/>
+          <p:nvPr/>
         </p:nvPicPr>
         <p:blipFill>
-          <a:blip r:embed="rId2">
-            <a:extLst>
-              <a:ext uri="{28A0092B-C50C-407E-A947-70E740481C1C}">
-                <a14:useLocalDpi xmlns:a14="http://schemas.microsoft.com/office/drawing/2010/main" val="0"/>
-              </a:ext>
-            </a:extLst>
-          </a:blip>
-          <a:srcRect/>
+          <a:blip r:embed="rId2"/>
           <a:stretch>
             <a:fillRect/>
           </a:stretch>
         </p:blipFill>
-        <p:spPr bwMode="auto">
-          <a:xfrm>
-            <a:off x="2886024" y="2557463"/>
-            <a:ext cx="6419952" cy="3317875"/>
+        <p:spPr>
+          <a:xfrm>
+            <a:off x="3301597" y="1139825"/>
+            <a:ext cx="5086701" cy="5097306"/>
           </a:xfrm>
           <a:prstGeom prst="rect">
             <a:avLst/>
           </a:prstGeom>
-          <a:noFill/>
-          <a:ln>
-            <a:noFill/>
-          </a:ln>
         </p:spPr>
       </p:pic>
     </p:spTree>
     <p:extLst>
       <p:ext uri="{BB962C8B-B14F-4D97-AF65-F5344CB8AC3E}">
-        <p14:creationId xmlns:p14="http://schemas.microsoft.com/office/powerpoint/2010/main" val="4170684422"/>
+        <p14:creationId xmlns:p14="http://schemas.microsoft.com/office/powerpoint/2010/main" val="1282506512"/>
       </p:ext>
     </p:extLst>
   </p:cSld>
   <p:clrMapOvr>
     <a:masterClrMapping/>
   </p:clrMapOvr>
-  <p:timing>
-    <p:tnLst>
-      <p:par>
-        <p:cTn id="1" dur="indefinite" restart="never" nodeType="tmRoot"/>
-      </p:par>
-    </p:tnLst>
-  </p:timing>
 </p:sld>
 </file>
 
@@ -6094,375 +6092,74 @@
             <p:ph type="title"/>
           </p:nvPr>
         </p:nvSpPr>
+        <p:spPr>
+          <a:xfrm>
+            <a:off x="1047208" y="237550"/>
+            <a:ext cx="9601196" cy="1303867"/>
+          </a:xfrm>
+        </p:spPr>
+        <p:txBody>
+          <a:bodyPr/>
+          <a:lstStyle/>
+          <a:p>
+            <a:r>
+              <a:rPr lang="ru-RU" dirty="0"/>
+              <a:t>Игрок проиграл</a:t>
+            </a:r>
+          </a:p>
+        </p:txBody>
+      </p:sp>
+      <p:sp>
+        <p:nvSpPr>
+          <p:cNvPr id="5" name="Content Placeholder 4">
+            <a:extLst>
+              <a:ext uri="{FF2B5EF4-FFF2-40B4-BE49-F238E27FC236}">
+                <a16:creationId xmlns:a16="http://schemas.microsoft.com/office/drawing/2014/main" id="{28226DB4-1265-4623-B3FD-38B623A617C8}"/>
+              </a:ext>
+            </a:extLst>
+          </p:cNvPr>
+          <p:cNvSpPr>
+            <a:spLocks noGrp="1"/>
+          </p:cNvSpPr>
+          <p:nvPr>
+            <p:ph idx="1"/>
+          </p:nvPr>
+        </p:nvSpPr>
         <p:spPr/>
         <p:txBody>
           <a:bodyPr/>
           <a:lstStyle/>
           <a:p>
-            <a:r>
-              <a:rPr lang="ru-RU" dirty="0" smtClean="0"/>
-              <a:t>Правила игры</a:t>
-            </a:r>
-            <a:endParaRPr lang="ru-RU" dirty="0"/>
-          </a:p>
-        </p:txBody>
-      </p:sp>
-      <p:sp>
-        <p:nvSpPr>
-          <p:cNvPr id="3" name="Объект 2"/>
-          <p:cNvSpPr>
-            <a:spLocks noGrp="1"/>
-          </p:cNvSpPr>
-          <p:nvPr>
-            <p:ph idx="1"/>
-          </p:nvPr>
-        </p:nvSpPr>
-        <p:spPr/>
-        <p:txBody>
-          <a:bodyPr/>
-          <a:lstStyle/>
-          <a:p>
-            <a:endParaRPr lang="ru-RU" dirty="0"/>
+            <a:endParaRPr lang="en-US" dirty="0"/>
           </a:p>
         </p:txBody>
       </p:sp>
       <p:pic>
         <p:nvPicPr>
-          <p:cNvPr id="4" name="Рисунок 3"/>
+          <p:cNvPr id="6" name="Picture 5">
+            <a:extLst>
+              <a:ext uri="{FF2B5EF4-FFF2-40B4-BE49-F238E27FC236}">
+                <a16:creationId xmlns:a16="http://schemas.microsoft.com/office/drawing/2014/main" id="{46E635B5-BBEA-4CFA-868F-529D70C5E7D8}"/>
+              </a:ext>
+            </a:extLst>
+          </p:cNvPr>
           <p:cNvPicPr/>
           <p:nvPr/>
         </p:nvPicPr>
         <p:blipFill>
-          <a:blip r:embed="rId2" cstate="print">
-            <a:extLst>
-              <a:ext uri="{28A0092B-C50C-407E-A947-70E740481C1C}">
-                <a14:useLocalDpi xmlns:a14="http://schemas.microsoft.com/office/drawing/2010/main" val="0"/>
-              </a:ext>
-            </a:extLst>
-          </a:blip>
-          <a:srcRect/>
+          <a:blip r:embed="rId2"/>
           <a:stretch>
             <a:fillRect/>
           </a:stretch>
         </p:blipFill>
-        <p:spPr bwMode="auto">
-          <a:xfrm>
-            <a:off x="2705405" y="1889339"/>
-            <a:ext cx="6934984" cy="4289393"/>
+        <p:spPr>
+          <a:xfrm>
+            <a:off x="3333858" y="1274501"/>
+            <a:ext cx="5027896" cy="4990274"/>
           </a:xfrm>
           <a:prstGeom prst="rect">
             <a:avLst/>
           </a:prstGeom>
-          <a:noFill/>
-          <a:ln>
-            <a:noFill/>
-          </a:ln>
-        </p:spPr>
-      </p:pic>
-    </p:spTree>
-    <p:extLst>
-      <p:ext uri="{BB962C8B-B14F-4D97-AF65-F5344CB8AC3E}">
-        <p14:creationId xmlns:p14="http://schemas.microsoft.com/office/powerpoint/2010/main" val="1091266576"/>
-      </p:ext>
-    </p:extLst>
-  </p:cSld>
-  <p:clrMapOvr>
-    <a:masterClrMapping/>
-  </p:clrMapOvr>
-  <p:timing>
-    <p:tnLst>
-      <p:par>
-        <p:cTn id="1" dur="indefinite" restart="never" nodeType="tmRoot"/>
-      </p:par>
-    </p:tnLst>
-  </p:timing>
-</p:sld>
-</file>
-
-<file path=ppt/slides/slide12.xml><?xml version="1.0" encoding="utf-8"?>
-<p:sld xmlns:a="http://schemas.openxmlformats.org/drawingml/2006/main" xmlns:r="http://schemas.openxmlformats.org/officeDocument/2006/relationships" xmlns:p="http://schemas.openxmlformats.org/presentationml/2006/main">
-  <p:cSld>
-    <p:spTree>
-      <p:nvGrpSpPr>
-        <p:cNvPr id="1" name=""/>
-        <p:cNvGrpSpPr/>
-        <p:nvPr/>
-      </p:nvGrpSpPr>
-      <p:grpSpPr>
-        <a:xfrm>
-          <a:off x="0" y="0"/>
-          <a:ext cx="0" cy="0"/>
-          <a:chOff x="0" y="0"/>
-          <a:chExt cx="0" cy="0"/>
-        </a:xfrm>
-      </p:grpSpPr>
-      <p:sp>
-        <p:nvSpPr>
-          <p:cNvPr id="2" name="Заголовок 1"/>
-          <p:cNvSpPr>
-            <a:spLocks noGrp="1"/>
-          </p:cNvSpPr>
-          <p:nvPr>
-            <p:ph type="title"/>
-          </p:nvPr>
-        </p:nvSpPr>
-        <p:spPr>
-          <a:xfrm>
-            <a:off x="1177836" y="328989"/>
-            <a:ext cx="9601196" cy="1303867"/>
-          </a:xfrm>
-        </p:spPr>
-        <p:txBody>
-          <a:bodyPr/>
-          <a:lstStyle/>
-          <a:p>
-            <a:r>
-              <a:rPr lang="ru-RU" dirty="0" smtClean="0"/>
-              <a:t>Игровой экран</a:t>
-            </a:r>
-            <a:endParaRPr lang="ru-RU" dirty="0"/>
-          </a:p>
-        </p:txBody>
-      </p:sp>
-      <p:pic>
-        <p:nvPicPr>
-          <p:cNvPr id="4" name="Объект 3"/>
-          <p:cNvPicPr>
-            <a:picLocks noGrp="1"/>
-          </p:cNvPicPr>
-          <p:nvPr>
-            <p:ph idx="1"/>
-          </p:nvPr>
-        </p:nvPicPr>
-        <p:blipFill>
-          <a:blip r:embed="rId2">
-            <a:extLst>
-              <a:ext uri="{28A0092B-C50C-407E-A947-70E740481C1C}">
-                <a14:useLocalDpi xmlns:a14="http://schemas.microsoft.com/office/drawing/2010/main" val="0"/>
-              </a:ext>
-            </a:extLst>
-          </a:blip>
-          <a:srcRect/>
-          <a:stretch>
-            <a:fillRect/>
-          </a:stretch>
-        </p:blipFill>
-        <p:spPr bwMode="auto">
-          <a:xfrm>
-            <a:off x="2116183" y="1319349"/>
-            <a:ext cx="7929154" cy="4911633"/>
-          </a:xfrm>
-          <a:prstGeom prst="rect">
-            <a:avLst/>
-          </a:prstGeom>
-          <a:noFill/>
-          <a:ln>
-            <a:noFill/>
-          </a:ln>
-        </p:spPr>
-      </p:pic>
-    </p:spTree>
-    <p:extLst>
-      <p:ext uri="{BB962C8B-B14F-4D97-AF65-F5344CB8AC3E}">
-        <p14:creationId xmlns:p14="http://schemas.microsoft.com/office/powerpoint/2010/main" val="2832415367"/>
-      </p:ext>
-    </p:extLst>
-  </p:cSld>
-  <p:clrMapOvr>
-    <a:masterClrMapping/>
-  </p:clrMapOvr>
-  <p:timing>
-    <p:tnLst>
-      <p:par>
-        <p:cTn id="1" dur="indefinite" restart="never" nodeType="tmRoot"/>
-      </p:par>
-    </p:tnLst>
-  </p:timing>
-</p:sld>
-</file>
-
-<file path=ppt/slides/slide13.xml><?xml version="1.0" encoding="utf-8"?>
-<p:sld xmlns:a="http://schemas.openxmlformats.org/drawingml/2006/main" xmlns:r="http://schemas.openxmlformats.org/officeDocument/2006/relationships" xmlns:p="http://schemas.openxmlformats.org/presentationml/2006/main">
-  <p:cSld>
-    <p:spTree>
-      <p:nvGrpSpPr>
-        <p:cNvPr id="1" name=""/>
-        <p:cNvGrpSpPr/>
-        <p:nvPr/>
-      </p:nvGrpSpPr>
-      <p:grpSpPr>
-        <a:xfrm>
-          <a:off x="0" y="0"/>
-          <a:ext cx="0" cy="0"/>
-          <a:chOff x="0" y="0"/>
-          <a:chExt cx="0" cy="0"/>
-        </a:xfrm>
-      </p:grpSpPr>
-      <p:sp>
-        <p:nvSpPr>
-          <p:cNvPr id="2" name="Заголовок 1"/>
-          <p:cNvSpPr>
-            <a:spLocks noGrp="1"/>
-          </p:cNvSpPr>
-          <p:nvPr>
-            <p:ph type="title"/>
-          </p:nvPr>
-        </p:nvSpPr>
-        <p:spPr>
-          <a:xfrm>
-            <a:off x="981894" y="250612"/>
-            <a:ext cx="9601196" cy="1303867"/>
-          </a:xfrm>
-        </p:spPr>
-        <p:txBody>
-          <a:bodyPr/>
-          <a:lstStyle/>
-          <a:p>
-            <a:r>
-              <a:rPr lang="ru-RU" dirty="0" smtClean="0"/>
-              <a:t>Гонка за растением</a:t>
-            </a:r>
-            <a:endParaRPr lang="ru-RU" dirty="0"/>
-          </a:p>
-        </p:txBody>
-      </p:sp>
-      <p:pic>
-        <p:nvPicPr>
-          <p:cNvPr id="4" name="Объект 3"/>
-          <p:cNvPicPr>
-            <a:picLocks noGrp="1"/>
-          </p:cNvPicPr>
-          <p:nvPr>
-            <p:ph idx="1"/>
-          </p:nvPr>
-        </p:nvPicPr>
-        <p:blipFill>
-          <a:blip r:embed="rId2">
-            <a:extLst>
-              <a:ext uri="{28A0092B-C50C-407E-A947-70E740481C1C}">
-                <a14:useLocalDpi xmlns:a14="http://schemas.microsoft.com/office/drawing/2010/main" val="0"/>
-              </a:ext>
-            </a:extLst>
-          </a:blip>
-          <a:srcRect/>
-          <a:stretch>
-            <a:fillRect/>
-          </a:stretch>
-        </p:blipFill>
-        <p:spPr bwMode="auto">
-          <a:xfrm>
-            <a:off x="2542533" y="1306286"/>
-            <a:ext cx="6479917" cy="4856435"/>
-          </a:xfrm>
-          <a:prstGeom prst="rect">
-            <a:avLst/>
-          </a:prstGeom>
-          <a:noFill/>
-          <a:ln>
-            <a:noFill/>
-          </a:ln>
-        </p:spPr>
-      </p:pic>
-    </p:spTree>
-    <p:extLst>
-      <p:ext uri="{BB962C8B-B14F-4D97-AF65-F5344CB8AC3E}">
-        <p14:creationId xmlns:p14="http://schemas.microsoft.com/office/powerpoint/2010/main" val="1282506512"/>
-      </p:ext>
-    </p:extLst>
-  </p:cSld>
-  <p:clrMapOvr>
-    <a:masterClrMapping/>
-  </p:clrMapOvr>
-  <p:timing>
-    <p:tnLst>
-      <p:par>
-        <p:cTn id="1" dur="indefinite" restart="never" nodeType="tmRoot"/>
-      </p:par>
-    </p:tnLst>
-  </p:timing>
-</p:sld>
-</file>
-
-<file path=ppt/slides/slide14.xml><?xml version="1.0" encoding="utf-8"?>
-<p:sld xmlns:a="http://schemas.openxmlformats.org/drawingml/2006/main" xmlns:r="http://schemas.openxmlformats.org/officeDocument/2006/relationships" xmlns:p="http://schemas.openxmlformats.org/presentationml/2006/main">
-  <p:cSld>
-    <p:spTree>
-      <p:nvGrpSpPr>
-        <p:cNvPr id="1" name=""/>
-        <p:cNvGrpSpPr/>
-        <p:nvPr/>
-      </p:nvGrpSpPr>
-      <p:grpSpPr>
-        <a:xfrm>
-          <a:off x="0" y="0"/>
-          <a:ext cx="0" cy="0"/>
-          <a:chOff x="0" y="0"/>
-          <a:chExt cx="0" cy="0"/>
-        </a:xfrm>
-      </p:grpSpPr>
-      <p:sp>
-        <p:nvSpPr>
-          <p:cNvPr id="2" name="Заголовок 1"/>
-          <p:cNvSpPr>
-            <a:spLocks noGrp="1"/>
-          </p:cNvSpPr>
-          <p:nvPr>
-            <p:ph type="title"/>
-          </p:nvPr>
-        </p:nvSpPr>
-        <p:spPr>
-          <a:xfrm>
-            <a:off x="1047208" y="237550"/>
-            <a:ext cx="9601196" cy="1303867"/>
-          </a:xfrm>
-        </p:spPr>
-        <p:txBody>
-          <a:bodyPr/>
-          <a:lstStyle/>
-          <a:p>
-            <a:r>
-              <a:rPr lang="ru-RU" dirty="0" smtClean="0"/>
-              <a:t>Результат игры</a:t>
-            </a:r>
-            <a:endParaRPr lang="ru-RU" dirty="0"/>
-          </a:p>
-        </p:txBody>
-      </p:sp>
-      <p:pic>
-        <p:nvPicPr>
-          <p:cNvPr id="4" name="Объект 3"/>
-          <p:cNvPicPr>
-            <a:picLocks noGrp="1"/>
-          </p:cNvPicPr>
-          <p:nvPr>
-            <p:ph idx="1"/>
-          </p:nvPr>
-        </p:nvPicPr>
-        <p:blipFill>
-          <a:blip r:embed="rId2">
-            <a:extLst>
-              <a:ext uri="{28A0092B-C50C-407E-A947-70E740481C1C}">
-                <a14:useLocalDpi xmlns:a14="http://schemas.microsoft.com/office/drawing/2010/main" val="0"/>
-              </a:ext>
-            </a:extLst>
-          </a:blip>
-          <a:srcRect/>
-          <a:stretch>
-            <a:fillRect/>
-          </a:stretch>
-        </p:blipFill>
-        <p:spPr bwMode="auto">
-          <a:xfrm>
-            <a:off x="2181498" y="1201784"/>
-            <a:ext cx="6968502" cy="4843372"/>
-          </a:xfrm>
-          <a:prstGeom prst="rect">
-            <a:avLst/>
-          </a:prstGeom>
-          <a:noFill/>
-          <a:ln>
-            <a:noFill/>
-          </a:ln>
         </p:spPr>
       </p:pic>
     </p:spTree>
@@ -6475,13 +6172,6 @@
   <p:clrMapOvr>
     <a:masterClrMapping/>
   </p:clrMapOvr>
-  <p:timing>
-    <p:tnLst>
-      <p:par>
-        <p:cTn id="1" dur="indefinite" restart="never" nodeType="tmRoot"/>
-      </p:par>
-    </p:tnLst>
-  </p:timing>
 </p:sld>
 </file>
 
@@ -6518,80 +6208,41 @@
           <a:lstStyle/>
           <a:p>
             <a:r>
-              <a:rPr lang="ru-RU" dirty="0" smtClean="0"/>
+              <a:rPr lang="ru-RU" dirty="0"/>
               <a:t>Игровой процесс</a:t>
             </a:r>
+          </a:p>
+        </p:txBody>
+      </p:sp>
+      <p:sp>
+        <p:nvSpPr>
+          <p:cNvPr id="3" name="Объект 2"/>
+          <p:cNvSpPr>
+            <a:spLocks noGrp="1"/>
+          </p:cNvSpPr>
+          <p:nvPr>
+            <p:ph idx="1"/>
+          </p:nvPr>
+        </p:nvSpPr>
+        <p:spPr/>
+        <p:txBody>
+          <a:bodyPr/>
+          <a:lstStyle/>
+          <a:p>
+            <a:r>
+              <a:rPr lang="ru-RU" dirty="0"/>
+              <a:t>Суть игры заключается в постройке трубопровода от одного края игрового поля на время. Играет один игрок. Компьютер предлагает очередной узел трубопровода, игрок может присоединить его к концу трубопровода. В определенный момент времени с начала игры, в трубопровод начинает подаваться вода, трубопровод.</a:t>
+            </a:r>
+          </a:p>
+          <a:p>
+            <a:r>
+              <a:rPr lang="ru-RU" dirty="0"/>
+              <a:t>Если трубопровод будет заполнен до того, как игрок закончит строительство — игрок проиграл.</a:t>
+            </a:r>
+            <a:endParaRPr lang="en-US" dirty="0"/>
+          </a:p>
+          <a:p>
             <a:endParaRPr lang="ru-RU" dirty="0"/>
-          </a:p>
-        </p:txBody>
-      </p:sp>
-      <p:sp>
-        <p:nvSpPr>
-          <p:cNvPr id="3" name="Объект 2"/>
-          <p:cNvSpPr>
-            <a:spLocks noGrp="1"/>
-          </p:cNvSpPr>
-          <p:nvPr>
-            <p:ph idx="1"/>
-          </p:nvPr>
-        </p:nvSpPr>
-        <p:spPr/>
-        <p:txBody>
-          <a:bodyPr/>
-          <a:lstStyle/>
-          <a:p>
-            <a:r>
-              <a:rPr lang="ru-RU" dirty="0"/>
-              <a:t>«Великий колдун сказал что </a:t>
-            </a:r>
-            <a:r>
-              <a:rPr lang="ru-RU" dirty="0" err="1"/>
-              <a:t>шадокские</a:t>
-            </a:r>
-            <a:r>
-              <a:rPr lang="ru-RU" dirty="0"/>
-              <a:t> ракеты терпят неудачи потому, что не хватает транзисторов в системах безопасности. Транзисторы нужного типа собирают с растений, произрастающих на огородах </a:t>
-            </a:r>
-            <a:r>
-              <a:rPr lang="ru-RU" dirty="0" err="1"/>
-              <a:t>Гибби</a:t>
-            </a:r>
-            <a:r>
-              <a:rPr lang="ru-RU" dirty="0"/>
-              <a:t>. Вы должны отправиться на планету </a:t>
-            </a:r>
-            <a:r>
-              <a:rPr lang="ru-RU" dirty="0" err="1"/>
-              <a:t>Гибби</a:t>
-            </a:r>
-            <a:r>
-              <a:rPr lang="ru-RU" dirty="0"/>
-              <a:t> и привести нужные транзисторы. Будьте осторожны, </a:t>
-            </a:r>
-            <a:r>
-              <a:rPr lang="ru-RU" dirty="0" err="1"/>
-              <a:t>Гибби</a:t>
-            </a:r>
-            <a:r>
-              <a:rPr lang="ru-RU" dirty="0"/>
-              <a:t> очень умны. Они позволяют </a:t>
-            </a:r>
-            <a:r>
-              <a:rPr lang="ru-RU" dirty="0" err="1"/>
-              <a:t>Шадокам</a:t>
-            </a:r>
-            <a:r>
-              <a:rPr lang="ru-RU" dirty="0"/>
-              <a:t> забираться в свои огороды, но защищают свои посадки. Всякий раз как, только растение зацветает, они мчатся, чтобы собрать урожай раньше </a:t>
-            </a:r>
-            <a:r>
-              <a:rPr lang="ru-RU" dirty="0" err="1"/>
-              <a:t>Шадока</a:t>
-            </a:r>
-            <a:r>
-              <a:rPr lang="ru-RU" dirty="0"/>
-              <a:t>».</a:t>
-            </a:r>
           </a:p>
         </p:txBody>
       </p:sp>
@@ -6605,13 +6256,6 @@
   <p:clrMapOvr>
     <a:masterClrMapping/>
   </p:clrMapOvr>
-  <p:timing>
-    <p:tnLst>
-      <p:par>
-        <p:cTn id="1" dur="indefinite" restart="never" nodeType="tmRoot"/>
-      </p:par>
-    </p:tnLst>
-  </p:timing>
 </p:sld>
 </file>
 
@@ -6642,7 +6286,12 @@
             <p:ph type="title"/>
           </p:nvPr>
         </p:nvSpPr>
-        <p:spPr/>
+        <p:spPr>
+          <a:xfrm>
+            <a:off x="1295402" y="812843"/>
+            <a:ext cx="9601196" cy="1303867"/>
+          </a:xfrm>
+        </p:spPr>
         <p:txBody>
           <a:bodyPr>
             <a:normAutofit fontScale="90000"/>
@@ -6650,37 +6299,82 @@
           <a:lstStyle/>
           <a:p>
             <a:r>
-              <a:rPr lang="ru-RU" dirty="0" smtClean="0"/>
+              <a:rPr lang="ru-RU" dirty="0"/>
               <a:t>Разбиение программы на взаимодействующие объекты</a:t>
             </a:r>
-            <a:endParaRPr lang="ru-RU" dirty="0"/>
+          </a:p>
+        </p:txBody>
+      </p:sp>
+      <p:sp>
+        <p:nvSpPr>
+          <p:cNvPr id="5" name="Content Placeholder 4">
+            <a:extLst>
+              <a:ext uri="{FF2B5EF4-FFF2-40B4-BE49-F238E27FC236}">
+                <a16:creationId xmlns:a16="http://schemas.microsoft.com/office/drawing/2014/main" id="{A3A37C37-8A19-4059-A1CB-F3495C14CC02}"/>
+              </a:ext>
+            </a:extLst>
+          </p:cNvPr>
+          <p:cNvSpPr>
+            <a:spLocks noGrp="1"/>
+          </p:cNvSpPr>
+          <p:nvPr>
+            <p:ph idx="1"/>
+          </p:nvPr>
+        </p:nvSpPr>
+        <p:spPr/>
+        <p:txBody>
+          <a:bodyPr/>
+          <a:lstStyle/>
+          <a:p>
+            <a:endParaRPr lang="en-US"/>
           </a:p>
         </p:txBody>
       </p:sp>
       <p:pic>
         <p:nvPicPr>
-          <p:cNvPr id="4" name="Объект 3"/>
+          <p:cNvPr id="1026" name="Picture 2" descr="https://pp.userapi.com/c844720/v844720361/13c641/ESrOVjbcwhA.jpg">
+            <a:extLst>
+              <a:ext uri="{FF2B5EF4-FFF2-40B4-BE49-F238E27FC236}">
+                <a16:creationId xmlns:a16="http://schemas.microsoft.com/office/drawing/2014/main" id="{5EF26848-F0AE-4D04-A65B-A438EA86003A}"/>
+              </a:ext>
+            </a:extLst>
+          </p:cNvPr>
           <p:cNvPicPr>
-            <a:picLocks noGrp="1" noChangeAspect="1"/>
+            <a:picLocks noChangeAspect="1" noChangeArrowheads="1"/>
           </p:cNvPicPr>
-          <p:nvPr>
-            <p:ph idx="1"/>
-          </p:nvPr>
+          <p:nvPr/>
         </p:nvPicPr>
         <p:blipFill>
-          <a:blip r:embed="rId2"/>
+          <a:blip r:embed="rId2">
+            <a:extLst>
+              <a:ext uri="{28A0092B-C50C-407E-A947-70E740481C1C}">
+                <a14:useLocalDpi xmlns:a14="http://schemas.microsoft.com/office/drawing/2010/main" val="0"/>
+              </a:ext>
+            </a:extLst>
+          </a:blip>
+          <a:srcRect/>
           <a:stretch>
             <a:fillRect/>
           </a:stretch>
         </p:blipFill>
-        <p:spPr>
-          <a:xfrm>
-            <a:off x="3453256" y="2543971"/>
-            <a:ext cx="5494802" cy="3501186"/>
+        <p:spPr bwMode="auto">
+          <a:xfrm>
+            <a:off x="3234351" y="2060075"/>
+            <a:ext cx="5723296" cy="4045999"/>
           </a:xfrm>
           <a:prstGeom prst="rect">
             <a:avLst/>
           </a:prstGeom>
+          <a:noFill/>
+          <a:extLst>
+            <a:ext uri="{909E8E84-426E-40DD-AFC4-6F175D3DCCD1}">
+              <a14:hiddenFill xmlns:a14="http://schemas.microsoft.com/office/drawing/2010/main">
+                <a:solidFill>
+                  <a:srgbClr val="FFFFFF"/>
+                </a:solidFill>
+              </a14:hiddenFill>
+            </a:ext>
+          </a:extLst>
         </p:spPr>
       </p:pic>
     </p:spTree>
@@ -6693,13 +6387,6 @@
   <p:clrMapOvr>
     <a:masterClrMapping/>
   </p:clrMapOvr>
-  <p:timing>
-    <p:tnLst>
-      <p:par>
-        <p:cTn id="1" dur="indefinite" restart="never" nodeType="tmRoot"/>
-      </p:par>
-    </p:tnLst>
-  </p:timing>
 </p:sld>
 </file>
 
@@ -6730,48 +6417,81 @@
             <p:ph type="title"/>
           </p:nvPr>
         </p:nvSpPr>
-        <p:spPr/>
-        <p:txBody>
-          <a:bodyPr/>
-          <a:lstStyle/>
-          <a:p>
-            <a:r>
-              <a:rPr lang="ru-RU" dirty="0" smtClean="0"/>
-              <a:t>Построение иерархии классов</a:t>
-            </a:r>
-            <a:endParaRPr lang="ru-RU" dirty="0"/>
-          </a:p>
-        </p:txBody>
-      </p:sp>
-      <p:pic>
-        <p:nvPicPr>
-          <p:cNvPr id="4" name="Объект 3"/>
-          <p:cNvPicPr>
-            <a:picLocks noGrp="1" noChangeAspect="1"/>
-          </p:cNvPicPr>
-          <p:nvPr>
-            <p:ph idx="1"/>
-          </p:nvPr>
-        </p:nvPicPr>
-        <p:blipFill>
-          <a:blip r:embed="rId2">
+        <p:spPr>
+          <a:xfrm>
+            <a:off x="1295401" y="738730"/>
+            <a:ext cx="9601196" cy="1303867"/>
+          </a:xfrm>
+        </p:spPr>
+        <p:txBody>
+          <a:bodyPr>
+            <a:normAutofit/>
+          </a:bodyPr>
+          <a:lstStyle/>
+          <a:p>
+            <a:r>
+              <a:rPr lang="ru-RU" dirty="0"/>
+              <a:t>Выбор технологий</a:t>
+            </a:r>
+          </a:p>
+        </p:txBody>
+      </p:sp>
+      <p:sp>
+        <p:nvSpPr>
+          <p:cNvPr id="5" name="Content Placeholder 4">
             <a:extLst>
-              <a:ext uri="{28A0092B-C50C-407E-A947-70E740481C1C}">
-                <a14:useLocalDpi xmlns:a14="http://schemas.microsoft.com/office/drawing/2010/main" val="0"/>
+              <a:ext uri="{FF2B5EF4-FFF2-40B4-BE49-F238E27FC236}">
+                <a16:creationId xmlns:a16="http://schemas.microsoft.com/office/drawing/2014/main" id="{F5E2B5AB-6E15-4852-A6A4-716A83DFF4D6}"/>
               </a:ext>
             </a:extLst>
-          </a:blip>
-          <a:stretch>
-            <a:fillRect/>
-          </a:stretch>
-        </p:blipFill>
-        <p:spPr>
-          <a:xfrm>
-            <a:off x="3600200" y="2285999"/>
-            <a:ext cx="5426235" cy="3827113"/>
-          </a:xfrm>
-        </p:spPr>
-      </p:pic>
+          </p:cNvPr>
+          <p:cNvSpPr>
+            <a:spLocks noGrp="1"/>
+          </p:cNvSpPr>
+          <p:nvPr>
+            <p:ph idx="1"/>
+          </p:nvPr>
+        </p:nvSpPr>
+        <p:spPr/>
+        <p:txBody>
+          <a:bodyPr>
+            <a:normAutofit/>
+          </a:bodyPr>
+          <a:lstStyle/>
+          <a:p>
+            <a:r>
+              <a:rPr lang="en-US" sz="2800" dirty="0" err="1"/>
+              <a:t>JavaScrit</a:t>
+            </a:r>
+            <a:endParaRPr lang="en-US" sz="2800" dirty="0"/>
+          </a:p>
+          <a:p>
+            <a:r>
+              <a:rPr lang="en-US" sz="2800" dirty="0"/>
+              <a:t>CSS</a:t>
+            </a:r>
+          </a:p>
+          <a:p>
+            <a:r>
+              <a:rPr lang="en-US" sz="2800" dirty="0"/>
+              <a:t>HTML</a:t>
+            </a:r>
+          </a:p>
+          <a:p>
+            <a:r>
+              <a:rPr lang="en-US" sz="2800" dirty="0"/>
+              <a:t>PNG</a:t>
+            </a:r>
+          </a:p>
+          <a:p>
+            <a:r>
+              <a:rPr lang="en-US" sz="2800" dirty="0" err="1"/>
+              <a:t>WebBrowser</a:t>
+            </a:r>
+            <a:endParaRPr lang="en-US" sz="2800" dirty="0"/>
+          </a:p>
+        </p:txBody>
+      </p:sp>
     </p:spTree>
     <p:extLst>
       <p:ext uri="{BB962C8B-B14F-4D97-AF65-F5344CB8AC3E}">
@@ -6782,13 +6502,6 @@
   <p:clrMapOvr>
     <a:masterClrMapping/>
   </p:clrMapOvr>
-  <p:timing>
-    <p:tnLst>
-      <p:par>
-        <p:cTn id="1" dur="indefinite" restart="never" nodeType="tmRoot"/>
-      </p:par>
-    </p:tnLst>
-  </p:timing>
 </p:sld>
 </file>
 
@@ -6821,20 +6534,21 @@
         </p:nvSpPr>
         <p:spPr/>
         <p:txBody>
-          <a:bodyPr/>
-          <a:lstStyle/>
-          <a:p>
-            <a:r>
-              <a:rPr lang="en-US" dirty="0" smtClean="0"/>
-              <a:t>Builder</a:t>
-            </a:r>
-            <a:endParaRPr lang="ru-RU" dirty="0"/>
+          <a:bodyPr>
+            <a:normAutofit fontScale="90000"/>
+          </a:bodyPr>
+          <a:lstStyle/>
+          <a:p>
+            <a:r>
+              <a:rPr lang="ru-RU" dirty="0"/>
+              <a:t>Структура интерфейса взаимодействия с пользователем</a:t>
+            </a:r>
           </a:p>
         </p:txBody>
       </p:sp>
       <p:pic>
         <p:nvPicPr>
-          <p:cNvPr id="4" name="Объект 3" descr="C:\university\OP\op2result\Classdiagram1.png"/>
+          <p:cNvPr id="4" name="Объект 3" descr="C:\university\OP\op2result\Usecasediagram1.png"/>
           <p:cNvPicPr>
             <a:picLocks noGrp="1"/>
           </p:cNvPicPr>
@@ -6857,8 +6571,8 @@
         </p:blipFill>
         <p:spPr bwMode="auto">
           <a:xfrm>
-            <a:off x="3034174" y="2599508"/>
-            <a:ext cx="5926946" cy="3118022"/>
+            <a:off x="3188552" y="2479086"/>
+            <a:ext cx="5354557" cy="3555954"/>
           </a:xfrm>
           <a:prstGeom prst="rect">
             <a:avLst/>
@@ -6872,20 +6586,13 @@
     </p:spTree>
     <p:extLst>
       <p:ext uri="{BB962C8B-B14F-4D97-AF65-F5344CB8AC3E}">
-        <p14:creationId xmlns:p14="http://schemas.microsoft.com/office/powerpoint/2010/main" val="2185281562"/>
+        <p14:creationId xmlns:p14="http://schemas.microsoft.com/office/powerpoint/2010/main" val="3324068102"/>
       </p:ext>
     </p:extLst>
   </p:cSld>
   <p:clrMapOvr>
     <a:masterClrMapping/>
   </p:clrMapOvr>
-  <p:timing>
-    <p:tnLst>
-      <p:par>
-        <p:cTn id="1" dur="indefinite" restart="never" nodeType="tmRoot"/>
-      </p:par>
-    </p:tnLst>
-  </p:timing>
 </p:sld>
 </file>
 
@@ -6916,41 +6623,57 @@
             <p:ph type="title"/>
           </p:nvPr>
         </p:nvSpPr>
+        <p:spPr>
+          <a:xfrm>
+            <a:off x="1295401" y="252306"/>
+            <a:ext cx="9601196" cy="1303867"/>
+          </a:xfrm>
+        </p:spPr>
+        <p:txBody>
+          <a:bodyPr/>
+          <a:lstStyle/>
+          <a:p>
+            <a:r>
+              <a:rPr lang="ru-RU" dirty="0"/>
+              <a:t>Разбиение на программные модули</a:t>
+            </a:r>
+          </a:p>
+        </p:txBody>
+      </p:sp>
+      <p:sp>
+        <p:nvSpPr>
+          <p:cNvPr id="5" name="Content Placeholder 4">
+            <a:extLst>
+              <a:ext uri="{FF2B5EF4-FFF2-40B4-BE49-F238E27FC236}">
+                <a16:creationId xmlns:a16="http://schemas.microsoft.com/office/drawing/2014/main" id="{1EFE0D58-4966-464F-89BD-4CD63FCA5319}"/>
+              </a:ext>
+            </a:extLst>
+          </p:cNvPr>
+          <p:cNvSpPr>
+            <a:spLocks noGrp="1"/>
+          </p:cNvSpPr>
+          <p:nvPr>
+            <p:ph idx="1"/>
+          </p:nvPr>
+        </p:nvSpPr>
         <p:spPr/>
         <p:txBody>
           <a:bodyPr/>
           <a:lstStyle/>
           <a:p>
-            <a:r>
-              <a:rPr lang="en-US" dirty="0" smtClean="0"/>
-              <a:t>Bridge</a:t>
-            </a:r>
-            <a:endParaRPr lang="ru-RU" dirty="0"/>
-          </a:p>
-        </p:txBody>
-      </p:sp>
-      <p:sp>
-        <p:nvSpPr>
-          <p:cNvPr id="3" name="Объект 2"/>
-          <p:cNvSpPr>
-            <a:spLocks noGrp="1"/>
-          </p:cNvSpPr>
-          <p:nvPr>
-            <p:ph idx="1"/>
-          </p:nvPr>
-        </p:nvSpPr>
-        <p:spPr/>
-        <p:txBody>
-          <a:bodyPr/>
-          <a:lstStyle/>
-          <a:p>
-            <a:endParaRPr lang="ru-RU"/>
+            <a:endParaRPr lang="en-US"/>
           </a:p>
         </p:txBody>
       </p:sp>
       <p:pic>
         <p:nvPicPr>
-          <p:cNvPr id="4" name="Рисунок 3" descr="C:\university\OP\op2result\Classdiagram1.png"/>
+          <p:cNvPr id="6" name="Picture 5" descr="https://pp.userapi.com/c844720/v844720361/13c618/RGR4cIA18RI.jpg">
+            <a:extLst>
+              <a:ext uri="{FF2B5EF4-FFF2-40B4-BE49-F238E27FC236}">
+                <a16:creationId xmlns:a16="http://schemas.microsoft.com/office/drawing/2014/main" id="{91950260-08E9-4740-AF57-12650A555FAB}"/>
+              </a:ext>
+            </a:extLst>
+          </p:cNvPr>
           <p:cNvPicPr/>
           <p:nvPr/>
         </p:nvPicPr>
@@ -6969,8 +6692,8 @@
         </p:blipFill>
         <p:spPr bwMode="auto">
           <a:xfrm>
-            <a:off x="3232786" y="2371892"/>
-            <a:ext cx="6329226" cy="3503976"/>
+            <a:off x="1560689" y="1503274"/>
+            <a:ext cx="9070619" cy="4481890"/>
           </a:xfrm>
           <a:prstGeom prst="rect">
             <a:avLst/>
@@ -6984,20 +6707,13 @@
     </p:spTree>
     <p:extLst>
       <p:ext uri="{BB962C8B-B14F-4D97-AF65-F5344CB8AC3E}">
-        <p14:creationId xmlns:p14="http://schemas.microsoft.com/office/powerpoint/2010/main" val="106049151"/>
+        <p14:creationId xmlns:p14="http://schemas.microsoft.com/office/powerpoint/2010/main" val="2839382640"/>
       </p:ext>
     </p:extLst>
   </p:cSld>
   <p:clrMapOvr>
     <a:masterClrMapping/>
   </p:clrMapOvr>
-  <p:timing>
-    <p:tnLst>
-      <p:par>
-        <p:cTn id="1" dur="indefinite" restart="never" nodeType="tmRoot"/>
-      </p:par>
-    </p:tnLst>
-  </p:timing>
 </p:sld>
 </file>
 
@@ -7028,30 +6744,59 @@
             <p:ph type="title"/>
           </p:nvPr>
         </p:nvSpPr>
+        <p:spPr>
+          <a:xfrm>
+            <a:off x="1295401" y="317265"/>
+            <a:ext cx="9601196" cy="1303867"/>
+          </a:xfrm>
+        </p:spPr>
+        <p:txBody>
+          <a:bodyPr/>
+          <a:lstStyle/>
+          <a:p>
+            <a:r>
+              <a:rPr lang="ru-RU" dirty="0"/>
+              <a:t>Стартовый экран</a:t>
+            </a:r>
+          </a:p>
+        </p:txBody>
+      </p:sp>
+      <p:sp>
+        <p:nvSpPr>
+          <p:cNvPr id="5" name="Content Placeholder 4">
+            <a:extLst>
+              <a:ext uri="{FF2B5EF4-FFF2-40B4-BE49-F238E27FC236}">
+                <a16:creationId xmlns:a16="http://schemas.microsoft.com/office/drawing/2014/main" id="{8BC301A7-4731-43EA-8E30-2EE8253CF326}"/>
+              </a:ext>
+            </a:extLst>
+          </p:cNvPr>
+          <p:cNvSpPr>
+            <a:spLocks noGrp="1"/>
+          </p:cNvSpPr>
+          <p:nvPr>
+            <p:ph idx="1"/>
+          </p:nvPr>
+        </p:nvSpPr>
         <p:spPr/>
         <p:txBody>
-          <a:bodyPr>
-            <a:normAutofit fontScale="90000"/>
-          </a:bodyPr>
-          <a:lstStyle/>
-          <a:p>
-            <a:r>
-              <a:rPr lang="ru-RU" dirty="0" smtClean="0"/>
-              <a:t>Структура интерфейса взаимодействия с пользователем</a:t>
-            </a:r>
-            <a:endParaRPr lang="ru-RU" dirty="0"/>
+          <a:bodyPr/>
+          <a:lstStyle/>
+          <a:p>
+            <a:endParaRPr lang="en-US"/>
           </a:p>
         </p:txBody>
       </p:sp>
       <p:pic>
         <p:nvPicPr>
-          <p:cNvPr id="4" name="Объект 3" descr="C:\university\OP\op2result\Usecasediagram1.png"/>
-          <p:cNvPicPr>
-            <a:picLocks noGrp="1"/>
-          </p:cNvPicPr>
-          <p:nvPr>
-            <p:ph idx="1"/>
-          </p:nvPr>
+          <p:cNvPr id="6" name="Picture 5" descr="C:\Users\grishs\projects\Sem5\OOP\desc\main.png">
+            <a:extLst>
+              <a:ext uri="{FF2B5EF4-FFF2-40B4-BE49-F238E27FC236}">
+                <a16:creationId xmlns:a16="http://schemas.microsoft.com/office/drawing/2014/main" id="{B78E5B3D-796B-45E0-8298-063AAE3D5C3B}"/>
+              </a:ext>
+            </a:extLst>
+          </p:cNvPr>
+          <p:cNvPicPr/>
+          <p:nvPr/>
         </p:nvPicPr>
         <p:blipFill>
           <a:blip r:embed="rId2">
@@ -7068,8 +6813,8 @@
         </p:blipFill>
         <p:spPr bwMode="auto">
           <a:xfrm>
-            <a:off x="3188552" y="2479086"/>
-            <a:ext cx="5354557" cy="3555954"/>
+            <a:off x="1758256" y="1369570"/>
+            <a:ext cx="9138341" cy="4906669"/>
           </a:xfrm>
           <a:prstGeom prst="rect">
             <a:avLst/>
@@ -7083,20 +6828,13 @@
     </p:spTree>
     <p:extLst>
       <p:ext uri="{BB962C8B-B14F-4D97-AF65-F5344CB8AC3E}">
-        <p14:creationId xmlns:p14="http://schemas.microsoft.com/office/powerpoint/2010/main" val="3324068102"/>
+        <p14:creationId xmlns:p14="http://schemas.microsoft.com/office/powerpoint/2010/main" val="4170684422"/>
       </p:ext>
     </p:extLst>
   </p:cSld>
   <p:clrMapOvr>
     <a:masterClrMapping/>
   </p:clrMapOvr>
-  <p:timing>
-    <p:tnLst>
-      <p:par>
-        <p:cTn id="1" dur="indefinite" restart="never" nodeType="tmRoot"/>
-      </p:par>
-    </p:tnLst>
-  </p:timing>
 </p:sld>
 </file>
 
@@ -7127,73 +6865,80 @@
             <p:ph type="title"/>
           </p:nvPr>
         </p:nvSpPr>
+        <p:spPr>
+          <a:xfrm>
+            <a:off x="1295401" y="249101"/>
+            <a:ext cx="9601196" cy="1303867"/>
+          </a:xfrm>
+        </p:spPr>
+        <p:txBody>
+          <a:bodyPr/>
+          <a:lstStyle/>
+          <a:p>
+            <a:r>
+              <a:rPr lang="ru-RU" dirty="0"/>
+              <a:t>Правила игры</a:t>
+            </a:r>
+          </a:p>
+        </p:txBody>
+      </p:sp>
+      <p:sp>
+        <p:nvSpPr>
+          <p:cNvPr id="3" name="Объект 2"/>
+          <p:cNvSpPr>
+            <a:spLocks noGrp="1"/>
+          </p:cNvSpPr>
+          <p:nvPr>
+            <p:ph idx="1"/>
+          </p:nvPr>
+        </p:nvSpPr>
         <p:spPr/>
         <p:txBody>
           <a:bodyPr/>
           <a:lstStyle/>
           <a:p>
-            <a:r>
-              <a:rPr lang="ru-RU" dirty="0" smtClean="0"/>
-              <a:t>Разбиение на программные модули</a:t>
-            </a:r>
             <a:endParaRPr lang="ru-RU" dirty="0"/>
           </a:p>
         </p:txBody>
       </p:sp>
       <p:pic>
         <p:nvPicPr>
-          <p:cNvPr id="4" name="Объект 3" descr="C:\university\OP\op2result\Usecasediagram1.png"/>
-          <p:cNvPicPr>
-            <a:picLocks noGrp="1"/>
-          </p:cNvPicPr>
-          <p:nvPr>
-            <p:ph idx="1"/>
-          </p:nvPr>
+          <p:cNvPr id="5" name="Picture 4">
+            <a:extLst>
+              <a:ext uri="{FF2B5EF4-FFF2-40B4-BE49-F238E27FC236}">
+                <a16:creationId xmlns:a16="http://schemas.microsoft.com/office/drawing/2014/main" id="{49C02BA0-3837-4E41-9AE3-5EE982039476}"/>
+              </a:ext>
+            </a:extLst>
+          </p:cNvPr>
+          <p:cNvPicPr/>
+          <p:nvPr/>
         </p:nvPicPr>
         <p:blipFill>
-          <a:blip r:embed="rId2">
-            <a:extLst>
-              <a:ext uri="{28A0092B-C50C-407E-A947-70E740481C1C}">
-                <a14:useLocalDpi xmlns:a14="http://schemas.microsoft.com/office/drawing/2010/main" val="0"/>
-              </a:ext>
-            </a:extLst>
-          </a:blip>
-          <a:srcRect/>
+          <a:blip r:embed="rId2"/>
           <a:stretch>
             <a:fillRect/>
           </a:stretch>
         </p:blipFill>
-        <p:spPr bwMode="auto">
-          <a:xfrm>
-            <a:off x="2950833" y="2285999"/>
-            <a:ext cx="5709841" cy="4010298"/>
+        <p:spPr>
+          <a:xfrm>
+            <a:off x="1399585" y="1263733"/>
+            <a:ext cx="9392827" cy="4887684"/>
           </a:xfrm>
           <a:prstGeom prst="rect">
             <a:avLst/>
           </a:prstGeom>
-          <a:noFill/>
-          <a:ln>
-            <a:noFill/>
-          </a:ln>
         </p:spPr>
       </p:pic>
     </p:spTree>
     <p:extLst>
       <p:ext uri="{BB962C8B-B14F-4D97-AF65-F5344CB8AC3E}">
-        <p14:creationId xmlns:p14="http://schemas.microsoft.com/office/powerpoint/2010/main" val="2839382640"/>
+        <p14:creationId xmlns:p14="http://schemas.microsoft.com/office/powerpoint/2010/main" val="1091266576"/>
       </p:ext>
     </p:extLst>
   </p:cSld>
   <p:clrMapOvr>
     <a:masterClrMapping/>
   </p:clrMapOvr>
-  <p:timing>
-    <p:tnLst>
-      <p:par>
-        <p:cTn id="1" dur="indefinite" restart="never" nodeType="tmRoot"/>
-      </p:par>
-    </p:tnLst>
-  </p:timing>
 </p:sld>
 </file>
 
@@ -7224,22 +6969,32 @@
             <p:ph type="title"/>
           </p:nvPr>
         </p:nvSpPr>
-        <p:spPr/>
+        <p:spPr>
+          <a:xfrm>
+            <a:off x="1177836" y="328989"/>
+            <a:ext cx="9601196" cy="1303867"/>
+          </a:xfrm>
+        </p:spPr>
         <p:txBody>
           <a:bodyPr/>
           <a:lstStyle/>
           <a:p>
             <a:r>
-              <a:rPr lang="ru-RU" dirty="0" smtClean="0"/>
-              <a:t>Древовидная файловая структура</a:t>
-            </a:r>
-            <a:endParaRPr lang="ru-RU" dirty="0"/>
+              <a:rPr lang="ru-RU" dirty="0"/>
+              <a:t>Игровой экран</a:t>
+            </a:r>
           </a:p>
         </p:txBody>
       </p:sp>
       <p:pic>
         <p:nvPicPr>
-          <p:cNvPr id="4" name="Объект 3"/>
+          <p:cNvPr id="7" name="Content Placeholder 6" descr="C:\Users\grishs\projects\Sem5\OOP\desc\game.png">
+            <a:extLst>
+              <a:ext uri="{FF2B5EF4-FFF2-40B4-BE49-F238E27FC236}">
+                <a16:creationId xmlns:a16="http://schemas.microsoft.com/office/drawing/2014/main" id="{6923A5B6-4221-4B4E-9F9C-C0478E405084}"/>
+              </a:ext>
+            </a:extLst>
+          </p:cNvPr>
           <p:cNvPicPr>
             <a:picLocks noGrp="1"/>
           </p:cNvPicPr>
@@ -7248,7 +7003,7 @@
           </p:nvPr>
         </p:nvPicPr>
         <p:blipFill>
-          <a:blip r:embed="rId2">
+          <a:blip r:embed="rId2" cstate="print">
             <a:extLst>
               <a:ext uri="{28A0092B-C50C-407E-A947-70E740481C1C}">
                 <a14:useLocalDpi xmlns:a14="http://schemas.microsoft.com/office/drawing/2010/main" val="0"/>
@@ -7262,8 +7017,8 @@
         </p:blipFill>
         <p:spPr bwMode="auto">
           <a:xfrm>
-            <a:off x="2935918" y="2543879"/>
-            <a:ext cx="6599967" cy="3347470"/>
+            <a:off x="3174002" y="1325668"/>
+            <a:ext cx="5843996" cy="5203343"/>
           </a:xfrm>
           <a:prstGeom prst="rect">
             <a:avLst/>
@@ -7277,20 +7032,13 @@
     </p:spTree>
     <p:extLst>
       <p:ext uri="{BB962C8B-B14F-4D97-AF65-F5344CB8AC3E}">
-        <p14:creationId xmlns:p14="http://schemas.microsoft.com/office/powerpoint/2010/main" val="1474643850"/>
+        <p14:creationId xmlns:p14="http://schemas.microsoft.com/office/powerpoint/2010/main" val="2832415367"/>
       </p:ext>
     </p:extLst>
   </p:cSld>
   <p:clrMapOvr>
     <a:masterClrMapping/>
   </p:clrMapOvr>
-  <p:timing>
-    <p:tnLst>
-      <p:par>
-        <p:cTn id="1" dur="indefinite" restart="never" nodeType="tmRoot"/>
-      </p:par>
-    </p:tnLst>
-  </p:timing>
 </p:sld>
 </file>
 

--- a/OOP/pres.pptx
+++ b/OOP/pres.pptx
@@ -7,15 +7,17 @@
   <p:sldIdLst>
     <p:sldId id="256" r:id="rId2"/>
     <p:sldId id="258" r:id="rId3"/>
-    <p:sldId id="267" r:id="rId4"/>
+    <p:sldId id="264" r:id="rId4"/>
     <p:sldId id="259" r:id="rId5"/>
-    <p:sldId id="264" r:id="rId6"/>
+    <p:sldId id="267" r:id="rId6"/>
     <p:sldId id="265" r:id="rId7"/>
     <p:sldId id="268" r:id="rId8"/>
     <p:sldId id="269" r:id="rId9"/>
     <p:sldId id="270" r:id="rId10"/>
     <p:sldId id="271" r:id="rId11"/>
     <p:sldId id="272" r:id="rId12"/>
+    <p:sldId id="274" r:id="rId13"/>
+    <p:sldId id="273" r:id="rId14"/>
   </p:sldIdLst>
   <p:sldSz cx="12192000" cy="6858000"/>
   <p:notesSz cx="6858000" cy="9144000"/>
@@ -453,7 +455,7 @@
           <a:p>
             <a:fld id="{E7AFCDD6-15AB-4B23-8847-30A0F1C957B1}" type="datetimeFigureOut">
               <a:rPr lang="ru-RU" smtClean="0"/>
-              <a:t>01.12.2018</a:t>
+              <a:t>15.12.2018</a:t>
             </a:fld>
             <a:endParaRPr lang="ru-RU"/>
           </a:p>
@@ -777,7 +779,7 @@
           <a:p>
             <a:fld id="{E7AFCDD6-15AB-4B23-8847-30A0F1C957B1}" type="datetimeFigureOut">
               <a:rPr lang="ru-RU" smtClean="0"/>
-              <a:t>01.12.2018</a:t>
+              <a:t>15.12.2018</a:t>
             </a:fld>
             <a:endParaRPr lang="ru-RU"/>
           </a:p>
@@ -1025,7 +1027,7 @@
           <a:p>
             <a:fld id="{E7AFCDD6-15AB-4B23-8847-30A0F1C957B1}" type="datetimeFigureOut">
               <a:rPr lang="ru-RU" smtClean="0"/>
-              <a:t>01.12.2018</a:t>
+              <a:t>15.12.2018</a:t>
             </a:fld>
             <a:endParaRPr lang="ru-RU"/>
           </a:p>
@@ -1364,7 +1366,7 @@
           <a:p>
             <a:fld id="{E7AFCDD6-15AB-4B23-8847-30A0F1C957B1}" type="datetimeFigureOut">
               <a:rPr lang="ru-RU" smtClean="0"/>
-              <a:t>01.12.2018</a:t>
+              <a:t>15.12.2018</a:t>
             </a:fld>
             <a:endParaRPr lang="ru-RU"/>
           </a:p>
@@ -1711,7 +1713,7 @@
           <a:p>
             <a:fld id="{E7AFCDD6-15AB-4B23-8847-30A0F1C957B1}" type="datetimeFigureOut">
               <a:rPr lang="ru-RU" smtClean="0"/>
-              <a:t>01.12.2018</a:t>
+              <a:t>15.12.2018</a:t>
             </a:fld>
             <a:endParaRPr lang="ru-RU"/>
           </a:p>
@@ -2085,7 +2087,7 @@
           <a:p>
             <a:fld id="{E7AFCDD6-15AB-4B23-8847-30A0F1C957B1}" type="datetimeFigureOut">
               <a:rPr lang="ru-RU" smtClean="0"/>
-              <a:t>01.12.2018</a:t>
+              <a:t>15.12.2018</a:t>
             </a:fld>
             <a:endParaRPr lang="ru-RU"/>
           </a:p>
@@ -2555,7 +2557,7 @@
           <a:p>
             <a:fld id="{E7AFCDD6-15AB-4B23-8847-30A0F1C957B1}" type="datetimeFigureOut">
               <a:rPr lang="ru-RU" smtClean="0"/>
-              <a:t>01.12.2018</a:t>
+              <a:t>15.12.2018</a:t>
             </a:fld>
             <a:endParaRPr lang="ru-RU"/>
           </a:p>
@@ -2760,7 +2762,7 @@
           <a:p>
             <a:fld id="{E7AFCDD6-15AB-4B23-8847-30A0F1C957B1}" type="datetimeFigureOut">
               <a:rPr lang="ru-RU" smtClean="0"/>
-              <a:t>01.12.2018</a:t>
+              <a:t>15.12.2018</a:t>
             </a:fld>
             <a:endParaRPr lang="ru-RU"/>
           </a:p>
@@ -2971,7 +2973,7 @@
           <a:p>
             <a:fld id="{E7AFCDD6-15AB-4B23-8847-30A0F1C957B1}" type="datetimeFigureOut">
               <a:rPr lang="ru-RU" smtClean="0"/>
-              <a:t>01.12.2018</a:t>
+              <a:t>15.12.2018</a:t>
             </a:fld>
             <a:endParaRPr lang="ru-RU"/>
           </a:p>
@@ -3203,7 +3205,7 @@
           <a:p>
             <a:fld id="{E7AFCDD6-15AB-4B23-8847-30A0F1C957B1}" type="datetimeFigureOut">
               <a:rPr lang="ru-RU" smtClean="0"/>
-              <a:t>01.12.2018</a:t>
+              <a:t>15.12.2018</a:t>
             </a:fld>
             <a:endParaRPr lang="ru-RU"/>
           </a:p>
@@ -3451,7 +3453,7 @@
           <a:p>
             <a:fld id="{E7AFCDD6-15AB-4B23-8847-30A0F1C957B1}" type="datetimeFigureOut">
               <a:rPr lang="ru-RU" smtClean="0"/>
-              <a:t>01.12.2018</a:t>
+              <a:t>15.12.2018</a:t>
             </a:fld>
             <a:endParaRPr lang="ru-RU"/>
           </a:p>
@@ -3749,7 +3751,7 @@
           <a:p>
             <a:fld id="{E7AFCDD6-15AB-4B23-8847-30A0F1C957B1}" type="datetimeFigureOut">
               <a:rPr lang="ru-RU" smtClean="0"/>
-              <a:t>01.12.2018</a:t>
+              <a:t>15.12.2018</a:t>
             </a:fld>
             <a:endParaRPr lang="ru-RU"/>
           </a:p>
@@ -4143,7 +4145,7 @@
           <a:p>
             <a:fld id="{E7AFCDD6-15AB-4B23-8847-30A0F1C957B1}" type="datetimeFigureOut">
               <a:rPr lang="ru-RU" smtClean="0"/>
-              <a:t>01.12.2018</a:t>
+              <a:t>15.12.2018</a:t>
             </a:fld>
             <a:endParaRPr lang="ru-RU"/>
           </a:p>
@@ -4292,7 +4294,7 @@
           <a:p>
             <a:fld id="{E7AFCDD6-15AB-4B23-8847-30A0F1C957B1}" type="datetimeFigureOut">
               <a:rPr lang="ru-RU" smtClean="0"/>
-              <a:t>01.12.2018</a:t>
+              <a:t>15.12.2018</a:t>
             </a:fld>
             <a:endParaRPr lang="ru-RU"/>
           </a:p>
@@ -4418,7 +4420,7 @@
           <a:p>
             <a:fld id="{E7AFCDD6-15AB-4B23-8847-30A0F1C957B1}" type="datetimeFigureOut">
               <a:rPr lang="ru-RU" smtClean="0"/>
-              <a:t>01.12.2018</a:t>
+              <a:t>15.12.2018</a:t>
             </a:fld>
             <a:endParaRPr lang="ru-RU"/>
           </a:p>
@@ -4673,7 +4675,7 @@
           <a:p>
             <a:fld id="{E7AFCDD6-15AB-4B23-8847-30A0F1C957B1}" type="datetimeFigureOut">
               <a:rPr lang="ru-RU" smtClean="0"/>
-              <a:t>01.12.2018</a:t>
+              <a:t>15.12.2018</a:t>
             </a:fld>
             <a:endParaRPr lang="ru-RU"/>
           </a:p>
@@ -4988,7 +4990,7 @@
           <a:p>
             <a:fld id="{E7AFCDD6-15AB-4B23-8847-30A0F1C957B1}" type="datetimeFigureOut">
               <a:rPr lang="ru-RU" smtClean="0"/>
-              <a:t>01.12.2018</a:t>
+              <a:t>15.12.2018</a:t>
             </a:fld>
             <a:endParaRPr lang="ru-RU"/>
           </a:p>
@@ -5339,7 +5341,7 @@
           <a:p>
             <a:fld id="{E7AFCDD6-15AB-4B23-8847-30A0F1C957B1}" type="datetimeFigureOut">
               <a:rPr lang="ru-RU" smtClean="0"/>
-              <a:t>01.12.2018</a:t>
+              <a:t>15.12.2018</a:t>
             </a:fld>
             <a:endParaRPr lang="ru-RU"/>
           </a:p>
@@ -5943,6 +5945,13 @@
   <p:clrMapOvr>
     <a:masterClrMapping/>
   </p:clrMapOvr>
+  <p:timing>
+    <p:tnLst>
+      <p:par>
+        <p:cTn id="1" dur="indefinite" restart="never" nodeType="tmRoot"/>
+      </p:par>
+    </p:tnLst>
+  </p:timing>
 </p:sld>
 </file>
 
@@ -6062,6 +6071,13 @@
   <p:clrMapOvr>
     <a:masterClrMapping/>
   </p:clrMapOvr>
+  <p:timing>
+    <p:tnLst>
+      <p:par>
+        <p:cTn id="1" dur="indefinite" restart="never" nodeType="tmRoot"/>
+      </p:par>
+    </p:tnLst>
+  </p:timing>
 </p:sld>
 </file>
 
@@ -6172,6 +6188,257 @@
   <p:clrMapOvr>
     <a:masterClrMapping/>
   </p:clrMapOvr>
+  <p:timing>
+    <p:tnLst>
+      <p:par>
+        <p:cTn id="1" dur="indefinite" restart="never" nodeType="tmRoot"/>
+      </p:par>
+    </p:tnLst>
+  </p:timing>
+</p:sld>
+</file>
+
+<file path=ppt/slides/slide12.xml><?xml version="1.0" encoding="utf-8"?>
+<p:sld xmlns:a="http://schemas.openxmlformats.org/drawingml/2006/main" xmlns:r="http://schemas.openxmlformats.org/officeDocument/2006/relationships" xmlns:p="http://schemas.openxmlformats.org/presentationml/2006/main">
+  <p:cSld>
+    <p:spTree>
+      <p:nvGrpSpPr>
+        <p:cNvPr id="1" name=""/>
+        <p:cNvGrpSpPr/>
+        <p:nvPr/>
+      </p:nvGrpSpPr>
+      <p:grpSpPr>
+        <a:xfrm>
+          <a:off x="0" y="0"/>
+          <a:ext cx="0" cy="0"/>
+          <a:chOff x="0" y="0"/>
+          <a:chExt cx="0" cy="0"/>
+        </a:xfrm>
+      </p:grpSpPr>
+      <p:sp>
+        <p:nvSpPr>
+          <p:cNvPr id="2" name="Заголовок 1"/>
+          <p:cNvSpPr>
+            <a:spLocks noGrp="1"/>
+          </p:cNvSpPr>
+          <p:nvPr>
+            <p:ph type="title"/>
+          </p:nvPr>
+        </p:nvSpPr>
+        <p:spPr>
+          <a:xfrm>
+            <a:off x="1047208" y="237550"/>
+            <a:ext cx="9601196" cy="1303867"/>
+          </a:xfrm>
+        </p:spPr>
+        <p:txBody>
+          <a:bodyPr/>
+          <a:lstStyle/>
+          <a:p>
+            <a:r>
+              <a:rPr lang="ru-RU" dirty="0" smtClean="0"/>
+              <a:t>Информация о одном элементе</a:t>
+            </a:r>
+            <a:endParaRPr lang="ru-RU" dirty="0"/>
+          </a:p>
+        </p:txBody>
+      </p:sp>
+      <p:sp>
+        <p:nvSpPr>
+          <p:cNvPr id="5" name="Content Placeholder 4">
+            <a:extLst>
+              <a:ext uri="{FF2B5EF4-FFF2-40B4-BE49-F238E27FC236}">
+                <a16:creationId xmlns:a16="http://schemas.microsoft.com/office/drawing/2014/main" id="{28226DB4-1265-4623-B3FD-38B623A617C8}"/>
+              </a:ext>
+            </a:extLst>
+          </p:cNvPr>
+          <p:cNvSpPr>
+            <a:spLocks noGrp="1"/>
+          </p:cNvSpPr>
+          <p:nvPr>
+            <p:ph idx="1"/>
+          </p:nvPr>
+        </p:nvSpPr>
+        <p:spPr>
+          <a:xfrm>
+            <a:off x="1118120" y="1437258"/>
+            <a:ext cx="9601196" cy="3318936"/>
+          </a:xfrm>
+        </p:spPr>
+        <p:txBody>
+          <a:bodyPr>
+            <a:normAutofit/>
+          </a:bodyPr>
+          <a:lstStyle/>
+          <a:p>
+            <a:pPr algn="ctr"/>
+            <a:r>
+              <a:rPr lang="en-US" sz="3600" b="1" dirty="0"/>
+              <a:t>p</a:t>
+            </a:r>
+            <a:r>
+              <a:rPr lang="ru-RU" sz="3600" b="1" dirty="0"/>
+              <a:t>-1_1_0_0.</a:t>
+            </a:r>
+            <a:r>
+              <a:rPr lang="en-US" sz="3600" b="1" dirty="0" err="1"/>
+              <a:t>png</a:t>
+            </a:r>
+            <a:endParaRPr lang="en-US" sz="3600" dirty="0"/>
+          </a:p>
+        </p:txBody>
+      </p:sp>
+      <p:pic>
+        <p:nvPicPr>
+          <p:cNvPr id="8" name="Picture 7"/>
+          <p:cNvPicPr/>
+          <p:nvPr/>
+        </p:nvPicPr>
+        <p:blipFill>
+          <a:blip r:embed="rId2"/>
+          <a:stretch>
+            <a:fillRect/>
+          </a:stretch>
+        </p:blipFill>
+        <p:spPr>
+          <a:xfrm>
+            <a:off x="4044116" y="2454294"/>
+            <a:ext cx="3749203" cy="3749203"/>
+          </a:xfrm>
+          <a:prstGeom prst="rect">
+            <a:avLst/>
+          </a:prstGeom>
+        </p:spPr>
+      </p:pic>
+    </p:spTree>
+    <p:extLst>
+      <p:ext uri="{BB962C8B-B14F-4D97-AF65-F5344CB8AC3E}">
+        <p14:creationId xmlns:p14="http://schemas.microsoft.com/office/powerpoint/2010/main" val="3254876307"/>
+      </p:ext>
+    </p:extLst>
+  </p:cSld>
+  <p:clrMapOvr>
+    <a:masterClrMapping/>
+  </p:clrMapOvr>
+  <p:timing>
+    <p:tnLst>
+      <p:par>
+        <p:cTn id="1" dur="indefinite" restart="never" nodeType="tmRoot"/>
+      </p:par>
+    </p:tnLst>
+  </p:timing>
+</p:sld>
+</file>
+
+<file path=ppt/slides/slide13.xml><?xml version="1.0" encoding="utf-8"?>
+<p:sld xmlns:a="http://schemas.openxmlformats.org/drawingml/2006/main" xmlns:r="http://schemas.openxmlformats.org/officeDocument/2006/relationships" xmlns:p="http://schemas.openxmlformats.org/presentationml/2006/main">
+  <p:cSld>
+    <p:spTree>
+      <p:nvGrpSpPr>
+        <p:cNvPr id="1" name=""/>
+        <p:cNvGrpSpPr/>
+        <p:nvPr/>
+      </p:nvGrpSpPr>
+      <p:grpSpPr>
+        <a:xfrm>
+          <a:off x="0" y="0"/>
+          <a:ext cx="0" cy="0"/>
+          <a:chOff x="0" y="0"/>
+          <a:chExt cx="0" cy="0"/>
+        </a:xfrm>
+      </p:grpSpPr>
+      <p:sp>
+        <p:nvSpPr>
+          <p:cNvPr id="2" name="Заголовок 1"/>
+          <p:cNvSpPr>
+            <a:spLocks noGrp="1"/>
+          </p:cNvSpPr>
+          <p:nvPr>
+            <p:ph type="title"/>
+          </p:nvPr>
+        </p:nvSpPr>
+        <p:spPr>
+          <a:xfrm>
+            <a:off x="1047208" y="237550"/>
+            <a:ext cx="9601196" cy="1303867"/>
+          </a:xfrm>
+        </p:spPr>
+        <p:txBody>
+          <a:bodyPr/>
+          <a:lstStyle/>
+          <a:p>
+            <a:r>
+              <a:rPr lang="ru-RU" dirty="0" smtClean="0"/>
+              <a:t>Проверка трубопровода</a:t>
+            </a:r>
+            <a:endParaRPr lang="ru-RU" dirty="0"/>
+          </a:p>
+        </p:txBody>
+      </p:sp>
+      <p:sp>
+        <p:nvSpPr>
+          <p:cNvPr id="5" name="Content Placeholder 4">
+            <a:extLst>
+              <a:ext uri="{FF2B5EF4-FFF2-40B4-BE49-F238E27FC236}">
+                <a16:creationId xmlns:a16="http://schemas.microsoft.com/office/drawing/2014/main" id="{28226DB4-1265-4623-B3FD-38B623A617C8}"/>
+              </a:ext>
+            </a:extLst>
+          </p:cNvPr>
+          <p:cNvSpPr>
+            <a:spLocks noGrp="1"/>
+          </p:cNvSpPr>
+          <p:nvPr>
+            <p:ph idx="1"/>
+          </p:nvPr>
+        </p:nvSpPr>
+        <p:spPr/>
+        <p:txBody>
+          <a:bodyPr/>
+          <a:lstStyle/>
+          <a:p>
+            <a:endParaRPr lang="en-US" dirty="0"/>
+          </a:p>
+        </p:txBody>
+      </p:sp>
+      <p:pic>
+        <p:nvPicPr>
+          <p:cNvPr id="7" name="Picture 6"/>
+          <p:cNvPicPr/>
+          <p:nvPr/>
+        </p:nvPicPr>
+        <p:blipFill>
+          <a:blip r:embed="rId2"/>
+          <a:stretch>
+            <a:fillRect/>
+          </a:stretch>
+        </p:blipFill>
+        <p:spPr>
+          <a:xfrm>
+            <a:off x="3159501" y="1348740"/>
+            <a:ext cx="5544850" cy="4930762"/>
+          </a:xfrm>
+          <a:prstGeom prst="rect">
+            <a:avLst/>
+          </a:prstGeom>
+        </p:spPr>
+      </p:pic>
+    </p:spTree>
+    <p:extLst>
+      <p:ext uri="{BB962C8B-B14F-4D97-AF65-F5344CB8AC3E}">
+        <p14:creationId xmlns:p14="http://schemas.microsoft.com/office/powerpoint/2010/main" val="3545839576"/>
+      </p:ext>
+    </p:extLst>
+  </p:cSld>
+  <p:clrMapOvr>
+    <a:masterClrMapping/>
+  </p:clrMapOvr>
+  <p:timing>
+    <p:tnLst>
+      <p:par>
+        <p:cTn id="1" dur="indefinite" restart="never" nodeType="tmRoot"/>
+      </p:par>
+    </p:tnLst>
+  </p:timing>
 </p:sld>
 </file>
 
@@ -6224,25 +6491,43 @@
             <p:ph idx="1"/>
           </p:nvPr>
         </p:nvSpPr>
-        <p:spPr/>
-        <p:txBody>
-          <a:bodyPr/>
-          <a:lstStyle/>
-          <a:p>
-            <a:r>
-              <a:rPr lang="ru-RU" dirty="0"/>
-              <a:t>Суть игры заключается в постройке трубопровода от одного края игрового поля на время. Играет один игрок. Компьютер предлагает очередной узел трубопровода, игрок может присоединить его к концу трубопровода. В определенный момент времени с начала игры, в трубопровод начинает подаваться вода, трубопровод.</a:t>
-            </a:r>
-          </a:p>
-          <a:p>
-            <a:r>
-              <a:rPr lang="ru-RU" dirty="0"/>
+        <p:spPr>
+          <a:xfrm>
+            <a:off x="1295402" y="2435288"/>
+            <a:ext cx="9601196" cy="3318936"/>
+          </a:xfrm>
+        </p:spPr>
+        <p:txBody>
+          <a:bodyPr>
+            <a:noAutofit/>
+          </a:bodyPr>
+          <a:lstStyle/>
+          <a:p>
+            <a:r>
+              <a:rPr lang="ru-RU" sz="2800" dirty="0"/>
+              <a:t>Суть игры заключается в постройке трубопровода от одного края игрового поля на время. </a:t>
+            </a:r>
+            <a:endParaRPr lang="en-US" sz="2800" dirty="0"/>
+          </a:p>
+          <a:p>
+            <a:r>
+              <a:rPr lang="ru-RU" sz="2800" dirty="0" smtClean="0"/>
+              <a:t> </a:t>
+            </a:r>
+            <a:r>
+              <a:rPr lang="ru-RU" sz="2800" dirty="0"/>
+              <a:t>В определенный момент времени с начала игры, в трубопровод начинает подаваться вода, трубопровод.</a:t>
+            </a:r>
+          </a:p>
+          <a:p>
+            <a:r>
+              <a:rPr lang="ru-RU" sz="2800" dirty="0"/>
               <a:t>Если трубопровод будет заполнен до того, как игрок закончит строительство — игрок проиграл.</a:t>
             </a:r>
-            <a:endParaRPr lang="en-US" dirty="0"/>
-          </a:p>
-          <a:p>
-            <a:endParaRPr lang="ru-RU" dirty="0"/>
+            <a:endParaRPr lang="en-US" sz="2800" dirty="0"/>
+          </a:p>
+          <a:p>
+            <a:endParaRPr lang="ru-RU" sz="2800" dirty="0"/>
           </a:p>
         </p:txBody>
       </p:sp>
@@ -6256,10 +6541,237 @@
   <p:clrMapOvr>
     <a:masterClrMapping/>
   </p:clrMapOvr>
+  <p:timing>
+    <p:tnLst>
+      <p:par>
+        <p:cTn id="1" dur="indefinite" restart="never" nodeType="tmRoot"/>
+      </p:par>
+    </p:tnLst>
+  </p:timing>
 </p:sld>
 </file>
 
 <file path=ppt/slides/slide3.xml><?xml version="1.0" encoding="utf-8"?>
+<p:sld xmlns:a="http://schemas.openxmlformats.org/drawingml/2006/main" xmlns:r="http://schemas.openxmlformats.org/officeDocument/2006/relationships" xmlns:p="http://schemas.openxmlformats.org/presentationml/2006/main">
+  <p:cSld>
+    <p:spTree>
+      <p:nvGrpSpPr>
+        <p:cNvPr id="1" name=""/>
+        <p:cNvGrpSpPr/>
+        <p:nvPr/>
+      </p:nvGrpSpPr>
+      <p:grpSpPr>
+        <a:xfrm>
+          <a:off x="0" y="0"/>
+          <a:ext cx="0" cy="0"/>
+          <a:chOff x="0" y="0"/>
+          <a:chExt cx="0" cy="0"/>
+        </a:xfrm>
+      </p:grpSpPr>
+      <p:sp>
+        <p:nvSpPr>
+          <p:cNvPr id="2" name="Заголовок 1"/>
+          <p:cNvSpPr>
+            <a:spLocks noGrp="1"/>
+          </p:cNvSpPr>
+          <p:nvPr>
+            <p:ph type="title"/>
+          </p:nvPr>
+        </p:nvSpPr>
+        <p:spPr/>
+        <p:txBody>
+          <a:bodyPr>
+            <a:normAutofit fontScale="90000"/>
+          </a:bodyPr>
+          <a:lstStyle/>
+          <a:p>
+            <a:r>
+              <a:rPr lang="ru-RU" dirty="0"/>
+              <a:t>Структура интерфейса взаимодействия с пользователем</a:t>
+            </a:r>
+          </a:p>
+        </p:txBody>
+      </p:sp>
+      <p:pic>
+        <p:nvPicPr>
+          <p:cNvPr id="4" name="Объект 3" descr="C:\university\OP\op2result\Usecasediagram1.png"/>
+          <p:cNvPicPr>
+            <a:picLocks noGrp="1"/>
+          </p:cNvPicPr>
+          <p:nvPr>
+            <p:ph idx="1"/>
+          </p:nvPr>
+        </p:nvPicPr>
+        <p:blipFill>
+          <a:blip r:embed="rId2">
+            <a:extLst>
+              <a:ext uri="{28A0092B-C50C-407E-A947-70E740481C1C}">
+                <a14:useLocalDpi xmlns:a14="http://schemas.microsoft.com/office/drawing/2010/main" val="0"/>
+              </a:ext>
+            </a:extLst>
+          </a:blip>
+          <a:srcRect/>
+          <a:stretch>
+            <a:fillRect/>
+          </a:stretch>
+        </p:blipFill>
+        <p:spPr bwMode="auto">
+          <a:xfrm>
+            <a:off x="3188552" y="2479086"/>
+            <a:ext cx="5354557" cy="3555954"/>
+          </a:xfrm>
+          <a:prstGeom prst="rect">
+            <a:avLst/>
+          </a:prstGeom>
+          <a:noFill/>
+          <a:ln>
+            <a:noFill/>
+          </a:ln>
+        </p:spPr>
+      </p:pic>
+    </p:spTree>
+    <p:extLst>
+      <p:ext uri="{BB962C8B-B14F-4D97-AF65-F5344CB8AC3E}">
+        <p14:creationId xmlns:p14="http://schemas.microsoft.com/office/powerpoint/2010/main" val="3324068102"/>
+      </p:ext>
+    </p:extLst>
+  </p:cSld>
+  <p:clrMapOvr>
+    <a:masterClrMapping/>
+  </p:clrMapOvr>
+  <p:timing>
+    <p:tnLst>
+      <p:par>
+        <p:cTn id="1" dur="indefinite" restart="never" nodeType="tmRoot"/>
+      </p:par>
+    </p:tnLst>
+  </p:timing>
+</p:sld>
+</file>
+
+<file path=ppt/slides/slide4.xml><?xml version="1.0" encoding="utf-8"?>
+<p:sld xmlns:a="http://schemas.openxmlformats.org/drawingml/2006/main" xmlns:r="http://schemas.openxmlformats.org/officeDocument/2006/relationships" xmlns:p="http://schemas.openxmlformats.org/presentationml/2006/main">
+  <p:cSld>
+    <p:spTree>
+      <p:nvGrpSpPr>
+        <p:cNvPr id="1" name=""/>
+        <p:cNvGrpSpPr/>
+        <p:nvPr/>
+      </p:nvGrpSpPr>
+      <p:grpSpPr>
+        <a:xfrm>
+          <a:off x="0" y="0"/>
+          <a:ext cx="0" cy="0"/>
+          <a:chOff x="0" y="0"/>
+          <a:chExt cx="0" cy="0"/>
+        </a:xfrm>
+      </p:grpSpPr>
+      <p:sp>
+        <p:nvSpPr>
+          <p:cNvPr id="2" name="Заголовок 1"/>
+          <p:cNvSpPr>
+            <a:spLocks noGrp="1"/>
+          </p:cNvSpPr>
+          <p:nvPr>
+            <p:ph type="title"/>
+          </p:nvPr>
+        </p:nvSpPr>
+        <p:spPr>
+          <a:xfrm>
+            <a:off x="1295401" y="738730"/>
+            <a:ext cx="9601196" cy="1303867"/>
+          </a:xfrm>
+        </p:spPr>
+        <p:txBody>
+          <a:bodyPr>
+            <a:normAutofit/>
+          </a:bodyPr>
+          <a:lstStyle/>
+          <a:p>
+            <a:r>
+              <a:rPr lang="ru-RU" dirty="0"/>
+              <a:t>Выбор технологий</a:t>
+            </a:r>
+          </a:p>
+        </p:txBody>
+      </p:sp>
+      <p:sp>
+        <p:nvSpPr>
+          <p:cNvPr id="5" name="Content Placeholder 4">
+            <a:extLst>
+              <a:ext uri="{FF2B5EF4-FFF2-40B4-BE49-F238E27FC236}">
+                <a16:creationId xmlns:a16="http://schemas.microsoft.com/office/drawing/2014/main" id="{F5E2B5AB-6E15-4852-A6A4-716A83DFF4D6}"/>
+              </a:ext>
+            </a:extLst>
+          </p:cNvPr>
+          <p:cNvSpPr>
+            <a:spLocks noGrp="1"/>
+          </p:cNvSpPr>
+          <p:nvPr>
+            <p:ph idx="1"/>
+          </p:nvPr>
+        </p:nvSpPr>
+        <p:spPr/>
+        <p:txBody>
+          <a:bodyPr>
+            <a:normAutofit/>
+          </a:bodyPr>
+          <a:lstStyle/>
+          <a:p>
+            <a:r>
+              <a:rPr lang="en-US" sz="2800" dirty="0" smtClean="0"/>
+              <a:t>JavaScript</a:t>
+            </a:r>
+            <a:endParaRPr lang="en-US" sz="2800" dirty="0"/>
+          </a:p>
+          <a:p>
+            <a:r>
+              <a:rPr lang="en-US" sz="2800" dirty="0"/>
+              <a:t>CSS</a:t>
+            </a:r>
+          </a:p>
+          <a:p>
+            <a:r>
+              <a:rPr lang="en-US" sz="2800" dirty="0"/>
+              <a:t>HTML</a:t>
+            </a:r>
+          </a:p>
+          <a:p>
+            <a:r>
+              <a:rPr lang="en-US" sz="2800" dirty="0"/>
+              <a:t>PNG</a:t>
+            </a:r>
+          </a:p>
+          <a:p>
+            <a:r>
+              <a:rPr lang="en-US" sz="2800" dirty="0" err="1"/>
+              <a:t>WebBrowser</a:t>
+            </a:r>
+            <a:endParaRPr lang="en-US" sz="2800" dirty="0"/>
+          </a:p>
+        </p:txBody>
+      </p:sp>
+    </p:spTree>
+    <p:extLst>
+      <p:ext uri="{BB962C8B-B14F-4D97-AF65-F5344CB8AC3E}">
+        <p14:creationId xmlns:p14="http://schemas.microsoft.com/office/powerpoint/2010/main" val="2374599982"/>
+      </p:ext>
+    </p:extLst>
+  </p:cSld>
+  <p:clrMapOvr>
+    <a:masterClrMapping/>
+  </p:clrMapOvr>
+  <p:timing>
+    <p:tnLst>
+      <p:par>
+        <p:cTn id="1" dur="indefinite" restart="never" nodeType="tmRoot"/>
+      </p:par>
+    </p:tnLst>
+  </p:timing>
+</p:sld>
+</file>
+
+<file path=ppt/slides/slide5.xml><?xml version="1.0" encoding="utf-8"?>
 <p:sld xmlns:a="http://schemas.openxmlformats.org/drawingml/2006/main" xmlns:r="http://schemas.openxmlformats.org/officeDocument/2006/relationships" xmlns:p="http://schemas.openxmlformats.org/presentationml/2006/main">
   <p:cSld>
     <p:spTree>
@@ -6387,212 +6899,13 @@
   <p:clrMapOvr>
     <a:masterClrMapping/>
   </p:clrMapOvr>
-</p:sld>
-</file>
-
-<file path=ppt/slides/slide4.xml><?xml version="1.0" encoding="utf-8"?>
-<p:sld xmlns:a="http://schemas.openxmlformats.org/drawingml/2006/main" xmlns:r="http://schemas.openxmlformats.org/officeDocument/2006/relationships" xmlns:p="http://schemas.openxmlformats.org/presentationml/2006/main">
-  <p:cSld>
-    <p:spTree>
-      <p:nvGrpSpPr>
-        <p:cNvPr id="1" name=""/>
-        <p:cNvGrpSpPr/>
-        <p:nvPr/>
-      </p:nvGrpSpPr>
-      <p:grpSpPr>
-        <a:xfrm>
-          <a:off x="0" y="0"/>
-          <a:ext cx="0" cy="0"/>
-          <a:chOff x="0" y="0"/>
-          <a:chExt cx="0" cy="0"/>
-        </a:xfrm>
-      </p:grpSpPr>
-      <p:sp>
-        <p:nvSpPr>
-          <p:cNvPr id="2" name="Заголовок 1"/>
-          <p:cNvSpPr>
-            <a:spLocks noGrp="1"/>
-          </p:cNvSpPr>
-          <p:nvPr>
-            <p:ph type="title"/>
-          </p:nvPr>
-        </p:nvSpPr>
-        <p:spPr>
-          <a:xfrm>
-            <a:off x="1295401" y="738730"/>
-            <a:ext cx="9601196" cy="1303867"/>
-          </a:xfrm>
-        </p:spPr>
-        <p:txBody>
-          <a:bodyPr>
-            <a:normAutofit/>
-          </a:bodyPr>
-          <a:lstStyle/>
-          <a:p>
-            <a:r>
-              <a:rPr lang="ru-RU" dirty="0"/>
-              <a:t>Выбор технологий</a:t>
-            </a:r>
-          </a:p>
-        </p:txBody>
-      </p:sp>
-      <p:sp>
-        <p:nvSpPr>
-          <p:cNvPr id="5" name="Content Placeholder 4">
-            <a:extLst>
-              <a:ext uri="{FF2B5EF4-FFF2-40B4-BE49-F238E27FC236}">
-                <a16:creationId xmlns:a16="http://schemas.microsoft.com/office/drawing/2014/main" id="{F5E2B5AB-6E15-4852-A6A4-716A83DFF4D6}"/>
-              </a:ext>
-            </a:extLst>
-          </p:cNvPr>
-          <p:cNvSpPr>
-            <a:spLocks noGrp="1"/>
-          </p:cNvSpPr>
-          <p:nvPr>
-            <p:ph idx="1"/>
-          </p:nvPr>
-        </p:nvSpPr>
-        <p:spPr/>
-        <p:txBody>
-          <a:bodyPr>
-            <a:normAutofit/>
-          </a:bodyPr>
-          <a:lstStyle/>
-          <a:p>
-            <a:r>
-              <a:rPr lang="en-US" sz="2800" dirty="0" err="1"/>
-              <a:t>JavaScrit</a:t>
-            </a:r>
-            <a:endParaRPr lang="en-US" sz="2800" dirty="0"/>
-          </a:p>
-          <a:p>
-            <a:r>
-              <a:rPr lang="en-US" sz="2800" dirty="0"/>
-              <a:t>CSS</a:t>
-            </a:r>
-          </a:p>
-          <a:p>
-            <a:r>
-              <a:rPr lang="en-US" sz="2800" dirty="0"/>
-              <a:t>HTML</a:t>
-            </a:r>
-          </a:p>
-          <a:p>
-            <a:r>
-              <a:rPr lang="en-US" sz="2800" dirty="0"/>
-              <a:t>PNG</a:t>
-            </a:r>
-          </a:p>
-          <a:p>
-            <a:r>
-              <a:rPr lang="en-US" sz="2800" dirty="0" err="1"/>
-              <a:t>WebBrowser</a:t>
-            </a:r>
-            <a:endParaRPr lang="en-US" sz="2800" dirty="0"/>
-          </a:p>
-        </p:txBody>
-      </p:sp>
-    </p:spTree>
-    <p:extLst>
-      <p:ext uri="{BB962C8B-B14F-4D97-AF65-F5344CB8AC3E}">
-        <p14:creationId xmlns:p14="http://schemas.microsoft.com/office/powerpoint/2010/main" val="2374599982"/>
-      </p:ext>
-    </p:extLst>
-  </p:cSld>
-  <p:clrMapOvr>
-    <a:masterClrMapping/>
-  </p:clrMapOvr>
-</p:sld>
-</file>
-
-<file path=ppt/slides/slide5.xml><?xml version="1.0" encoding="utf-8"?>
-<p:sld xmlns:a="http://schemas.openxmlformats.org/drawingml/2006/main" xmlns:r="http://schemas.openxmlformats.org/officeDocument/2006/relationships" xmlns:p="http://schemas.openxmlformats.org/presentationml/2006/main">
-  <p:cSld>
-    <p:spTree>
-      <p:nvGrpSpPr>
-        <p:cNvPr id="1" name=""/>
-        <p:cNvGrpSpPr/>
-        <p:nvPr/>
-      </p:nvGrpSpPr>
-      <p:grpSpPr>
-        <a:xfrm>
-          <a:off x="0" y="0"/>
-          <a:ext cx="0" cy="0"/>
-          <a:chOff x="0" y="0"/>
-          <a:chExt cx="0" cy="0"/>
-        </a:xfrm>
-      </p:grpSpPr>
-      <p:sp>
-        <p:nvSpPr>
-          <p:cNvPr id="2" name="Заголовок 1"/>
-          <p:cNvSpPr>
-            <a:spLocks noGrp="1"/>
-          </p:cNvSpPr>
-          <p:nvPr>
-            <p:ph type="title"/>
-          </p:nvPr>
-        </p:nvSpPr>
-        <p:spPr/>
-        <p:txBody>
-          <a:bodyPr>
-            <a:normAutofit fontScale="90000"/>
-          </a:bodyPr>
-          <a:lstStyle/>
-          <a:p>
-            <a:r>
-              <a:rPr lang="ru-RU" dirty="0"/>
-              <a:t>Структура интерфейса взаимодействия с пользователем</a:t>
-            </a:r>
-          </a:p>
-        </p:txBody>
-      </p:sp>
-      <p:pic>
-        <p:nvPicPr>
-          <p:cNvPr id="4" name="Объект 3" descr="C:\university\OP\op2result\Usecasediagram1.png"/>
-          <p:cNvPicPr>
-            <a:picLocks noGrp="1"/>
-          </p:cNvPicPr>
-          <p:nvPr>
-            <p:ph idx="1"/>
-          </p:nvPr>
-        </p:nvPicPr>
-        <p:blipFill>
-          <a:blip r:embed="rId2">
-            <a:extLst>
-              <a:ext uri="{28A0092B-C50C-407E-A947-70E740481C1C}">
-                <a14:useLocalDpi xmlns:a14="http://schemas.microsoft.com/office/drawing/2010/main" val="0"/>
-              </a:ext>
-            </a:extLst>
-          </a:blip>
-          <a:srcRect/>
-          <a:stretch>
-            <a:fillRect/>
-          </a:stretch>
-        </p:blipFill>
-        <p:spPr bwMode="auto">
-          <a:xfrm>
-            <a:off x="3188552" y="2479086"/>
-            <a:ext cx="5354557" cy="3555954"/>
-          </a:xfrm>
-          <a:prstGeom prst="rect">
-            <a:avLst/>
-          </a:prstGeom>
-          <a:noFill/>
-          <a:ln>
-            <a:noFill/>
-          </a:ln>
-        </p:spPr>
-      </p:pic>
-    </p:spTree>
-    <p:extLst>
-      <p:ext uri="{BB962C8B-B14F-4D97-AF65-F5344CB8AC3E}">
-        <p14:creationId xmlns:p14="http://schemas.microsoft.com/office/powerpoint/2010/main" val="3324068102"/>
-      </p:ext>
-    </p:extLst>
-  </p:cSld>
-  <p:clrMapOvr>
-    <a:masterClrMapping/>
-  </p:clrMapOvr>
+  <p:timing>
+    <p:tnLst>
+      <p:par>
+        <p:cTn id="1" dur="indefinite" restart="never" nodeType="tmRoot"/>
+      </p:par>
+    </p:tnLst>
+  </p:timing>
 </p:sld>
 </file>
 
@@ -6714,6 +7027,13 @@
   <p:clrMapOvr>
     <a:masterClrMapping/>
   </p:clrMapOvr>
+  <p:timing>
+    <p:tnLst>
+      <p:par>
+        <p:cTn id="1" dur="indefinite" restart="never" nodeType="tmRoot"/>
+      </p:par>
+    </p:tnLst>
+  </p:timing>
 </p:sld>
 </file>
 
@@ -6835,6 +7155,13 @@
   <p:clrMapOvr>
     <a:masterClrMapping/>
   </p:clrMapOvr>
+  <p:timing>
+    <p:tnLst>
+      <p:par>
+        <p:cTn id="1" dur="indefinite" restart="never" nodeType="tmRoot"/>
+      </p:par>
+    </p:tnLst>
+  </p:timing>
 </p:sld>
 </file>
 
@@ -6939,6 +7266,13 @@
   <p:clrMapOvr>
     <a:masterClrMapping/>
   </p:clrMapOvr>
+  <p:timing>
+    <p:tnLst>
+      <p:par>
+        <p:cTn id="1" dur="indefinite" restart="never" nodeType="tmRoot"/>
+      </p:par>
+    </p:tnLst>
+  </p:timing>
 </p:sld>
 </file>
 
@@ -7039,6 +7373,13 @@
   <p:clrMapOvr>
     <a:masterClrMapping/>
   </p:clrMapOvr>
+  <p:timing>
+    <p:tnLst>
+      <p:par>
+        <p:cTn id="1" dur="indefinite" restart="never" nodeType="tmRoot"/>
+      </p:par>
+    </p:tnLst>
+  </p:timing>
 </p:sld>
 </file>
 
